--- a/diagrams.pptx
+++ b/diagrams.pptx
@@ -8,6 +8,7 @@
     <p:sldId id="257" r:id="rId2"/>
     <p:sldId id="256" r:id="rId3"/>
     <p:sldId id="258" r:id="rId4"/>
+    <p:sldId id="259" r:id="rId5"/>
   </p:sldIdLst>
   <p:sldSz cx="12192000" cy="6858000"/>
   <p:notesSz cx="6858000" cy="9144000"/>
@@ -13938,8 +13939,8 @@
           <a:chExt cx="0" cy="0"/>
         </a:xfrm>
       </p:grpSpPr>
-      <mc:AlternateContent xmlns:mc="http://schemas.openxmlformats.org/markup-compatibility/2006">
-        <mc:Choice xmlns:a14="http://schemas.microsoft.com/office/drawing/2010/main" Requires="a14">
+      <mc:AlternateContent xmlns:mc="http://schemas.openxmlformats.org/markup-compatibility/2006" xmlns:a14="http://schemas.microsoft.com/office/drawing/2010/main">
+        <mc:Choice Requires="a14">
           <p:graphicFrame>
             <p:nvGraphicFramePr>
               <p:cNvPr id="5" name="Table 4">
@@ -18871,7 +18872,7 @@
             </a:graphic>
           </p:graphicFrame>
         </mc:Choice>
-        <mc:Fallback>
+        <mc:Fallback xmlns="">
           <p:graphicFrame>
             <p:nvGraphicFramePr>
               <p:cNvPr id="5" name="Table 4">
@@ -23124,6 +23125,3270 @@
     <p:extLst>
       <p:ext uri="{BB962C8B-B14F-4D97-AF65-F5344CB8AC3E}">
         <p14:creationId xmlns:p14="http://schemas.microsoft.com/office/powerpoint/2010/main" val="188755146"/>
+      </p:ext>
+    </p:extLst>
+  </p:cSld>
+  <p:clrMapOvr>
+    <a:masterClrMapping/>
+  </p:clrMapOvr>
+</p:sld>
+</file>
+
+<file path=ppt/slides/slide4.xml><?xml version="1.0" encoding="utf-8"?>
+<p:sld xmlns:a="http://schemas.openxmlformats.org/drawingml/2006/main" xmlns:r="http://schemas.openxmlformats.org/officeDocument/2006/relationships" xmlns:p="http://schemas.openxmlformats.org/presentationml/2006/main">
+  <p:cSld>
+    <p:spTree>
+      <p:nvGrpSpPr>
+        <p:cNvPr id="1" name=""/>
+        <p:cNvGrpSpPr/>
+        <p:nvPr/>
+      </p:nvGrpSpPr>
+      <p:grpSpPr>
+        <a:xfrm>
+          <a:off x="0" y="0"/>
+          <a:ext cx="0" cy="0"/>
+          <a:chOff x="0" y="0"/>
+          <a:chExt cx="0" cy="0"/>
+        </a:xfrm>
+      </p:grpSpPr>
+      <mc:AlternateContent xmlns:mc="http://schemas.openxmlformats.org/markup-compatibility/2006">
+        <mc:Choice xmlns:a14="http://schemas.microsoft.com/office/drawing/2010/main" Requires="a14">
+          <p:graphicFrame>
+            <p:nvGraphicFramePr>
+              <p:cNvPr id="4" name="Table 3">
+                <a:extLst>
+                  <a:ext uri="{FF2B5EF4-FFF2-40B4-BE49-F238E27FC236}">
+                    <a16:creationId xmlns:a16="http://schemas.microsoft.com/office/drawing/2014/main" id="{C88ECF3E-4510-F740-8F29-9DDA7998FD2B}"/>
+                  </a:ext>
+                </a:extLst>
+              </p:cNvPr>
+              <p:cNvGraphicFramePr>
+                <a:graphicFrameLocks noGrp="1"/>
+              </p:cNvGraphicFramePr>
+              <p:nvPr>
+                <p:extLst>
+                  <p:ext uri="{D42A27DB-BD31-4B8C-83A1-F6EECF244321}">
+                    <p14:modId xmlns:p14="http://schemas.microsoft.com/office/powerpoint/2010/main" val="4023586314"/>
+                  </p:ext>
+                </p:extLst>
+              </p:nvPr>
+            </p:nvGraphicFramePr>
+            <p:xfrm>
+              <a:off x="765998" y="1872332"/>
+              <a:ext cx="3342760" cy="3929024"/>
+            </p:xfrm>
+            <a:graphic>
+              <a:graphicData uri="http://schemas.openxmlformats.org/drawingml/2006/table">
+                <a:tbl>
+                  <a:tblPr firstRow="1" bandRow="1">
+                    <a:tableStyleId>{2D5ABB26-0587-4C30-8999-92F81FD0307C}</a:tableStyleId>
+                  </a:tblPr>
+                  <a:tblGrid>
+                    <a:gridCol w="835690">
+                      <a:extLst>
+                        <a:ext uri="{9D8B030D-6E8A-4147-A177-3AD203B41FA5}">
+                          <a16:colId xmlns:a16="http://schemas.microsoft.com/office/drawing/2014/main" val="20000"/>
+                        </a:ext>
+                      </a:extLst>
+                    </a:gridCol>
+                    <a:gridCol w="835690">
+                      <a:extLst>
+                        <a:ext uri="{9D8B030D-6E8A-4147-A177-3AD203B41FA5}">
+                          <a16:colId xmlns:a16="http://schemas.microsoft.com/office/drawing/2014/main" val="20001"/>
+                        </a:ext>
+                      </a:extLst>
+                    </a:gridCol>
+                    <a:gridCol w="835690">
+                      <a:extLst>
+                        <a:ext uri="{9D8B030D-6E8A-4147-A177-3AD203B41FA5}">
+                          <a16:colId xmlns:a16="http://schemas.microsoft.com/office/drawing/2014/main" val="20002"/>
+                        </a:ext>
+                      </a:extLst>
+                    </a:gridCol>
+                    <a:gridCol w="835690">
+                      <a:extLst>
+                        <a:ext uri="{9D8B030D-6E8A-4147-A177-3AD203B41FA5}">
+                          <a16:colId xmlns:a16="http://schemas.microsoft.com/office/drawing/2014/main" val="4251372561"/>
+                        </a:ext>
+                      </a:extLst>
+                    </a:gridCol>
+                  </a:tblGrid>
+                  <a:tr h="659635">
+                    <a:tc>
+                      <a:txBody>
+                        <a:bodyPr/>
+                        <a:lstStyle/>
+                        <a:p>
+                          <a:pPr algn="ctr"/>
+                          <a:r>
+                            <a:rPr lang="es-ES" baseline="0" dirty="0"/>
+                            <a:t>∆</a:t>
+                          </a:r>
+                          <a14:m>
+                            <m:oMath xmlns:m="http://schemas.openxmlformats.org/officeDocument/2006/math">
+                              <m:r>
+                                <a:rPr lang="es-ES" i="1" baseline="0" dirty="0" smtClean="0">
+                                  <a:latin typeface="Cambria Math" charset="0"/>
+                                </a:rPr>
+                                <m:t>𝑡</m:t>
+                              </m:r>
+                            </m:oMath>
+                          </a14:m>
+                          <a:endParaRPr lang="en-GB" baseline="-25000" dirty="0"/>
+                        </a:p>
+                      </a:txBody>
+                      <a:tcPr anchor="ctr">
+                        <a:lnL w="12700" cap="flat" cmpd="sng" algn="ctr">
+                          <a:solidFill>
+                            <a:schemeClr val="tx1"/>
+                          </a:solidFill>
+                          <a:prstDash val="solid"/>
+                          <a:round/>
+                          <a:headEnd type="none" w="med" len="med"/>
+                          <a:tailEnd type="none" w="med" len="med"/>
+                        </a:lnL>
+                        <a:lnR w="12700" cap="flat" cmpd="sng" algn="ctr">
+                          <a:solidFill>
+                            <a:schemeClr val="tx1"/>
+                          </a:solidFill>
+                          <a:prstDash val="solid"/>
+                          <a:round/>
+                          <a:headEnd type="none" w="med" len="med"/>
+                          <a:tailEnd type="none" w="med" len="med"/>
+                        </a:lnR>
+                        <a:lnT w="12700" cap="flat" cmpd="sng" algn="ctr">
+                          <a:solidFill>
+                            <a:schemeClr val="tx1"/>
+                          </a:solidFill>
+                          <a:prstDash val="solid"/>
+                          <a:round/>
+                          <a:headEnd type="none" w="med" len="med"/>
+                          <a:tailEnd type="none" w="med" len="med"/>
+                        </a:lnT>
+                        <a:lnB w="12700" cap="flat" cmpd="sng" algn="ctr">
+                          <a:solidFill>
+                            <a:schemeClr val="tx1"/>
+                          </a:solidFill>
+                          <a:prstDash val="solid"/>
+                          <a:round/>
+                          <a:headEnd type="none" w="med" len="med"/>
+                          <a:tailEnd type="none" w="med" len="med"/>
+                        </a:lnB>
+                        <a:solidFill>
+                          <a:schemeClr val="accent5">
+                            <a:lumMod val="20000"/>
+                            <a:lumOff val="80000"/>
+                          </a:schemeClr>
+                        </a:solidFill>
+                      </a:tcPr>
+                    </a:tc>
+                    <a:tc>
+                      <a:txBody>
+                        <a:bodyPr/>
+                        <a:lstStyle/>
+                        <a:p>
+                          <a:pPr algn="ctr"/>
+                          <a14:m>
+                            <m:oMathPara xmlns:m="http://schemas.openxmlformats.org/officeDocument/2006/math">
+                              <m:oMathParaPr>
+                                <m:jc m:val="centerGroup"/>
+                              </m:oMathParaPr>
+                              <m:oMath xmlns:m="http://schemas.openxmlformats.org/officeDocument/2006/math">
+                                <m:sSub>
+                                  <m:sSubPr>
+                                    <m:ctrlPr>
+                                      <a:rPr lang="es-ES" b="0" i="1" baseline="0" dirty="0" smtClean="0">
+                                        <a:latin typeface="Cambria Math" panose="02040503050406030204" pitchFamily="18" charset="0"/>
+                                      </a:rPr>
+                                    </m:ctrlPr>
+                                  </m:sSubPr>
+                                  <m:e>
+                                    <m:r>
+                                      <a:rPr lang="es-ES" b="0" i="1" baseline="0" dirty="0" smtClean="0">
+                                        <a:latin typeface="Cambria Math" panose="02040503050406030204" pitchFamily="18" charset="0"/>
+                                      </a:rPr>
+                                      <m:t>𝑋</m:t>
+                                    </m:r>
+                                  </m:e>
+                                  <m:sub>
+                                    <m:r>
+                                      <a:rPr lang="es-ES" b="0" i="1" baseline="0" dirty="0" smtClean="0">
+                                        <a:latin typeface="Cambria Math" panose="02040503050406030204" pitchFamily="18" charset="0"/>
+                                      </a:rPr>
+                                      <m:t>1</m:t>
+                                    </m:r>
+                                  </m:sub>
+                                </m:sSub>
+                                <m:r>
+                                  <a:rPr lang="es-ES" b="0" i="1" baseline="0" dirty="0" smtClean="0">
+                                    <a:latin typeface="Cambria Math" charset="0"/>
+                                  </a:rPr>
+                                  <m:t>(</m:t>
+                                </m:r>
+                                <m:r>
+                                  <a:rPr lang="es-ES" b="0" i="1" baseline="0" dirty="0" smtClean="0">
+                                    <a:latin typeface="Cambria Math" charset="0"/>
+                                  </a:rPr>
+                                  <m:t>𝑡</m:t>
+                                </m:r>
+                                <m:r>
+                                  <a:rPr lang="es-ES" b="0" i="1" baseline="0" dirty="0" smtClean="0">
+                                    <a:latin typeface="Cambria Math" charset="0"/>
+                                  </a:rPr>
+                                  <m:t>)</m:t>
+                                </m:r>
+                              </m:oMath>
+                            </m:oMathPara>
+                          </a14:m>
+                          <a:endParaRPr lang="en-GB" baseline="-25000" dirty="0"/>
+                        </a:p>
+                      </a:txBody>
+                      <a:tcPr anchor="ctr">
+                        <a:lnL w="12700" cap="flat" cmpd="sng" algn="ctr">
+                          <a:solidFill>
+                            <a:schemeClr val="tx1"/>
+                          </a:solidFill>
+                          <a:prstDash val="solid"/>
+                          <a:round/>
+                          <a:headEnd type="none" w="med" len="med"/>
+                          <a:tailEnd type="none" w="med" len="med"/>
+                        </a:lnL>
+                        <a:lnR w="12700" cap="flat" cmpd="sng" algn="ctr">
+                          <a:solidFill>
+                            <a:schemeClr val="tx1"/>
+                          </a:solidFill>
+                          <a:prstDash val="solid"/>
+                          <a:round/>
+                          <a:headEnd type="none" w="med" len="med"/>
+                          <a:tailEnd type="none" w="med" len="med"/>
+                        </a:lnR>
+                        <a:lnT w="12700" cap="flat" cmpd="sng" algn="ctr">
+                          <a:solidFill>
+                            <a:schemeClr val="tx1"/>
+                          </a:solidFill>
+                          <a:prstDash val="solid"/>
+                          <a:round/>
+                          <a:headEnd type="none" w="med" len="med"/>
+                          <a:tailEnd type="none" w="med" len="med"/>
+                        </a:lnT>
+                        <a:lnB w="12700" cap="flat" cmpd="sng" algn="ctr">
+                          <a:solidFill>
+                            <a:schemeClr val="tx1"/>
+                          </a:solidFill>
+                          <a:prstDash val="solid"/>
+                          <a:round/>
+                          <a:headEnd type="none" w="med" len="med"/>
+                          <a:tailEnd type="none" w="med" len="med"/>
+                        </a:lnB>
+                        <a:solidFill>
+                          <a:schemeClr val="accent5">
+                            <a:lumMod val="20000"/>
+                            <a:lumOff val="80000"/>
+                          </a:schemeClr>
+                        </a:solidFill>
+                      </a:tcPr>
+                    </a:tc>
+                    <a:tc>
+                      <a:txBody>
+                        <a:bodyPr/>
+                        <a:lstStyle/>
+                        <a:p>
+                          <a:pPr algn="ctr"/>
+                          <a14:m>
+                            <m:oMathPara xmlns:m="http://schemas.openxmlformats.org/officeDocument/2006/math">
+                              <m:oMathParaPr>
+                                <m:jc m:val="centerGroup"/>
+                              </m:oMathParaPr>
+                              <m:oMath xmlns:m="http://schemas.openxmlformats.org/officeDocument/2006/math">
+                                <m:sSub>
+                                  <m:sSubPr>
+                                    <m:ctrlPr>
+                                      <a:rPr lang="es-ES" b="0" i="1" baseline="0" dirty="0" smtClean="0">
+                                        <a:latin typeface="Cambria Math" panose="02040503050406030204" pitchFamily="18" charset="0"/>
+                                      </a:rPr>
+                                    </m:ctrlPr>
+                                  </m:sSubPr>
+                                  <m:e>
+                                    <m:r>
+                                      <a:rPr lang="es-ES" b="0" i="1" baseline="0" dirty="0" smtClean="0">
+                                        <a:latin typeface="Cambria Math" panose="02040503050406030204" pitchFamily="18" charset="0"/>
+                                      </a:rPr>
+                                      <m:t>𝑋</m:t>
+                                    </m:r>
+                                  </m:e>
+                                  <m:sub>
+                                    <m:r>
+                                      <a:rPr lang="es-ES" b="0" i="1" baseline="0" dirty="0" smtClean="0">
+                                        <a:latin typeface="Cambria Math" panose="02040503050406030204" pitchFamily="18" charset="0"/>
+                                      </a:rPr>
+                                      <m:t>2</m:t>
+                                    </m:r>
+                                  </m:sub>
+                                </m:sSub>
+                                <m:r>
+                                  <a:rPr lang="es-ES" b="0" i="1" baseline="0" dirty="0" smtClean="0">
+                                    <a:latin typeface="Cambria Math" charset="0"/>
+                                  </a:rPr>
+                                  <m:t>(</m:t>
+                                </m:r>
+                                <m:r>
+                                  <a:rPr lang="es-ES" b="0" i="1" baseline="0" dirty="0" smtClean="0">
+                                    <a:latin typeface="Cambria Math" charset="0"/>
+                                  </a:rPr>
+                                  <m:t>𝑡</m:t>
+                                </m:r>
+                                <m:r>
+                                  <a:rPr lang="es-ES" b="0" i="1" baseline="0" dirty="0" smtClean="0">
+                                    <a:latin typeface="Cambria Math" charset="0"/>
+                                  </a:rPr>
+                                  <m:t>)</m:t>
+                                </m:r>
+                              </m:oMath>
+                            </m:oMathPara>
+                          </a14:m>
+                          <a:endParaRPr lang="en-GB" baseline="-25000" dirty="0"/>
+                        </a:p>
+                      </a:txBody>
+                      <a:tcPr anchor="ctr">
+                        <a:lnL w="12700" cap="flat" cmpd="sng" algn="ctr">
+                          <a:solidFill>
+                            <a:schemeClr val="tx1"/>
+                          </a:solidFill>
+                          <a:prstDash val="solid"/>
+                          <a:round/>
+                          <a:headEnd type="none" w="med" len="med"/>
+                          <a:tailEnd type="none" w="med" len="med"/>
+                        </a:lnL>
+                        <a:lnR w="12700" cap="flat" cmpd="sng" algn="ctr">
+                          <a:solidFill>
+                            <a:schemeClr val="tx1"/>
+                          </a:solidFill>
+                          <a:prstDash val="solid"/>
+                          <a:round/>
+                          <a:headEnd type="none" w="med" len="med"/>
+                          <a:tailEnd type="none" w="med" len="med"/>
+                        </a:lnR>
+                        <a:lnT w="12700" cap="flat" cmpd="sng" algn="ctr">
+                          <a:solidFill>
+                            <a:schemeClr val="tx1"/>
+                          </a:solidFill>
+                          <a:prstDash val="solid"/>
+                          <a:round/>
+                          <a:headEnd type="none" w="med" len="med"/>
+                          <a:tailEnd type="none" w="med" len="med"/>
+                        </a:lnT>
+                        <a:lnB w="12700" cap="flat" cmpd="sng" algn="ctr">
+                          <a:solidFill>
+                            <a:schemeClr val="tx1"/>
+                          </a:solidFill>
+                          <a:prstDash val="solid"/>
+                          <a:round/>
+                          <a:headEnd type="none" w="med" len="med"/>
+                          <a:tailEnd type="none" w="med" len="med"/>
+                        </a:lnB>
+                        <a:solidFill>
+                          <a:schemeClr val="accent5">
+                            <a:lumMod val="20000"/>
+                            <a:lumOff val="80000"/>
+                          </a:schemeClr>
+                        </a:solidFill>
+                      </a:tcPr>
+                    </a:tc>
+                    <a:tc>
+                      <a:txBody>
+                        <a:bodyPr/>
+                        <a:lstStyle/>
+                        <a:p>
+                          <a:pPr marL="0" marR="0" lvl="0" indent="0" algn="ctr" defTabSz="914400" rtl="0" eaLnBrk="1" fontAlgn="auto" latinLnBrk="0" hangingPunct="1">
+                            <a:lnSpc>
+                              <a:spcPct val="100000"/>
+                            </a:lnSpc>
+                            <a:spcBef>
+                              <a:spcPts val="0"/>
+                            </a:spcBef>
+                            <a:spcAft>
+                              <a:spcPts val="0"/>
+                            </a:spcAft>
+                            <a:buClrTx/>
+                            <a:buSzTx/>
+                            <a:buFontTx/>
+                            <a:buNone/>
+                            <a:tabLst/>
+                            <a:defRPr/>
+                          </a:pPr>
+                          <a14:m>
+                            <m:oMathPara xmlns:m="http://schemas.openxmlformats.org/officeDocument/2006/math">
+                              <m:oMathParaPr>
+                                <m:jc m:val="centerGroup"/>
+                              </m:oMathParaPr>
+                              <m:oMath xmlns:m="http://schemas.openxmlformats.org/officeDocument/2006/math">
+                                <m:sSub>
+                                  <m:sSubPr>
+                                    <m:ctrlPr>
+                                      <a:rPr lang="es-ES" b="0" i="1" baseline="0" dirty="0" smtClean="0">
+                                        <a:latin typeface="Cambria Math" panose="02040503050406030204" pitchFamily="18" charset="0"/>
+                                      </a:rPr>
+                                    </m:ctrlPr>
+                                  </m:sSubPr>
+                                  <m:e>
+                                    <m:r>
+                                      <a:rPr lang="es-ES" b="0" i="1" baseline="0" dirty="0" smtClean="0">
+                                        <a:latin typeface="Cambria Math" panose="02040503050406030204" pitchFamily="18" charset="0"/>
+                                      </a:rPr>
+                                      <m:t>𝑋</m:t>
+                                    </m:r>
+                                  </m:e>
+                                  <m:sub>
+                                    <m:r>
+                                      <a:rPr lang="es-ES" b="0" i="1" baseline="0" dirty="0" smtClean="0">
+                                        <a:latin typeface="Cambria Math" panose="02040503050406030204" pitchFamily="18" charset="0"/>
+                                      </a:rPr>
+                                      <m:t>3</m:t>
+                                    </m:r>
+                                  </m:sub>
+                                </m:sSub>
+                                <m:r>
+                                  <a:rPr lang="es-ES" b="0" i="1" baseline="0" dirty="0" smtClean="0">
+                                    <a:latin typeface="Cambria Math" charset="0"/>
+                                  </a:rPr>
+                                  <m:t>(</m:t>
+                                </m:r>
+                                <m:r>
+                                  <a:rPr lang="es-ES" b="0" i="1" baseline="0" dirty="0" smtClean="0">
+                                    <a:latin typeface="Cambria Math" charset="0"/>
+                                  </a:rPr>
+                                  <m:t>𝑡</m:t>
+                                </m:r>
+                                <m:r>
+                                  <a:rPr lang="es-ES" b="0" i="1" baseline="0" dirty="0" smtClean="0">
+                                    <a:latin typeface="Cambria Math" charset="0"/>
+                                  </a:rPr>
+                                  <m:t>)</m:t>
+                                </m:r>
+                              </m:oMath>
+                            </m:oMathPara>
+                          </a14:m>
+                          <a:endParaRPr lang="en-GB" baseline="-25000" dirty="0"/>
+                        </a:p>
+                      </a:txBody>
+                      <a:tcPr anchor="ctr">
+                        <a:lnL w="12700" cap="flat" cmpd="sng" algn="ctr">
+                          <a:solidFill>
+                            <a:schemeClr val="tx1"/>
+                          </a:solidFill>
+                          <a:prstDash val="solid"/>
+                          <a:round/>
+                          <a:headEnd type="none" w="med" len="med"/>
+                          <a:tailEnd type="none" w="med" len="med"/>
+                        </a:lnL>
+                        <a:lnR w="12700" cap="flat" cmpd="sng" algn="ctr">
+                          <a:solidFill>
+                            <a:schemeClr val="tx1"/>
+                          </a:solidFill>
+                          <a:prstDash val="solid"/>
+                          <a:round/>
+                          <a:headEnd type="none" w="med" len="med"/>
+                          <a:tailEnd type="none" w="med" len="med"/>
+                        </a:lnR>
+                        <a:lnT w="12700" cap="flat" cmpd="sng" algn="ctr">
+                          <a:solidFill>
+                            <a:schemeClr val="tx1"/>
+                          </a:solidFill>
+                          <a:prstDash val="solid"/>
+                          <a:round/>
+                          <a:headEnd type="none" w="med" len="med"/>
+                          <a:tailEnd type="none" w="med" len="med"/>
+                        </a:lnT>
+                        <a:lnB w="12700" cap="flat" cmpd="sng" algn="ctr">
+                          <a:solidFill>
+                            <a:schemeClr val="tx1"/>
+                          </a:solidFill>
+                          <a:prstDash val="solid"/>
+                          <a:round/>
+                          <a:headEnd type="none" w="med" len="med"/>
+                          <a:tailEnd type="none" w="med" len="med"/>
+                        </a:lnB>
+                        <a:solidFill>
+                          <a:schemeClr val="accent5">
+                            <a:lumMod val="20000"/>
+                            <a:lumOff val="80000"/>
+                          </a:schemeClr>
+                        </a:solidFill>
+                      </a:tcPr>
+                    </a:tc>
+                    <a:extLst>
+                      <a:ext uri="{0D108BD9-81ED-4DB2-BD59-A6C34878D82A}">
+                        <a16:rowId xmlns:a16="http://schemas.microsoft.com/office/drawing/2014/main" val="10000"/>
+                      </a:ext>
+                    </a:extLst>
+                  </a:tr>
+                  <a:tr h="630849">
+                    <a:tc>
+                      <a:txBody>
+                        <a:bodyPr/>
+                        <a:lstStyle/>
+                        <a:p>
+                          <a:pPr algn="ctr"/>
+                          <a:r>
+                            <a:rPr lang="es-ES" dirty="0"/>
+                            <a:t>0</a:t>
+                          </a:r>
+                          <a:endParaRPr lang="en-GB" dirty="0"/>
+                        </a:p>
+                      </a:txBody>
+                      <a:tcPr anchor="ctr">
+                        <a:lnL w="12700" cap="flat" cmpd="sng" algn="ctr">
+                          <a:solidFill>
+                            <a:schemeClr val="tx1"/>
+                          </a:solidFill>
+                          <a:prstDash val="solid"/>
+                          <a:round/>
+                          <a:headEnd type="none" w="med" len="med"/>
+                          <a:tailEnd type="none" w="med" len="med"/>
+                        </a:lnL>
+                        <a:lnR w="12700" cap="flat" cmpd="sng" algn="ctr">
+                          <a:solidFill>
+                            <a:schemeClr val="tx1"/>
+                          </a:solidFill>
+                          <a:prstDash val="solid"/>
+                          <a:round/>
+                          <a:headEnd type="none" w="med" len="med"/>
+                          <a:tailEnd type="none" w="med" len="med"/>
+                        </a:lnR>
+                        <a:lnT w="12700" cap="flat" cmpd="sng" algn="ctr">
+                          <a:solidFill>
+                            <a:schemeClr val="tx1"/>
+                          </a:solidFill>
+                          <a:prstDash val="solid"/>
+                          <a:round/>
+                          <a:headEnd type="none" w="med" len="med"/>
+                          <a:tailEnd type="none" w="med" len="med"/>
+                        </a:lnT>
+                        <a:lnB w="12700" cap="flat" cmpd="sng" algn="ctr">
+                          <a:solidFill>
+                            <a:schemeClr val="tx1"/>
+                          </a:solidFill>
+                          <a:prstDash val="solid"/>
+                          <a:round/>
+                          <a:headEnd type="none" w="med" len="med"/>
+                          <a:tailEnd type="none" w="med" len="med"/>
+                        </a:lnB>
+                        <a:solidFill>
+                          <a:schemeClr val="accent5">
+                            <a:lumMod val="20000"/>
+                            <a:lumOff val="80000"/>
+                          </a:schemeClr>
+                        </a:solidFill>
+                      </a:tcPr>
+                    </a:tc>
+                    <a:tc>
+                      <a:txBody>
+                        <a:bodyPr/>
+                        <a:lstStyle/>
+                        <a:p>
+                          <a:pPr algn="ctr"/>
+                          <a:r>
+                            <a:rPr lang="es-ES" dirty="0"/>
+                            <a:t>-</a:t>
+                          </a:r>
+                          <a:endParaRPr lang="en-GB" dirty="0"/>
+                        </a:p>
+                      </a:txBody>
+                      <a:tcPr anchor="ctr">
+                        <a:lnL w="12700" cap="flat" cmpd="sng" algn="ctr">
+                          <a:solidFill>
+                            <a:schemeClr val="tx1"/>
+                          </a:solidFill>
+                          <a:prstDash val="solid"/>
+                          <a:round/>
+                          <a:headEnd type="none" w="med" len="med"/>
+                          <a:tailEnd type="none" w="med" len="med"/>
+                        </a:lnL>
+                        <a:lnR w="12700" cap="flat" cmpd="sng" algn="ctr">
+                          <a:solidFill>
+                            <a:schemeClr val="tx1"/>
+                          </a:solidFill>
+                          <a:prstDash val="solid"/>
+                          <a:round/>
+                          <a:headEnd type="none" w="med" len="med"/>
+                          <a:tailEnd type="none" w="med" len="med"/>
+                        </a:lnR>
+                        <a:lnT w="12700" cap="flat" cmpd="sng" algn="ctr">
+                          <a:solidFill>
+                            <a:schemeClr val="tx1"/>
+                          </a:solidFill>
+                          <a:prstDash val="solid"/>
+                          <a:round/>
+                          <a:headEnd type="none" w="med" len="med"/>
+                          <a:tailEnd type="none" w="med" len="med"/>
+                        </a:lnT>
+                        <a:lnB w="12700" cap="flat" cmpd="sng" algn="ctr">
+                          <a:solidFill>
+                            <a:schemeClr val="tx1"/>
+                          </a:solidFill>
+                          <a:prstDash val="solid"/>
+                          <a:round/>
+                          <a:headEnd type="none" w="med" len="med"/>
+                          <a:tailEnd type="none" w="med" len="med"/>
+                        </a:lnB>
+                        <a:solidFill>
+                          <a:schemeClr val="accent5">
+                            <a:lumMod val="20000"/>
+                            <a:lumOff val="80000"/>
+                          </a:schemeClr>
+                        </a:solidFill>
+                      </a:tcPr>
+                    </a:tc>
+                    <a:tc>
+                      <a:txBody>
+                        <a:bodyPr/>
+                        <a:lstStyle/>
+                        <a:p>
+                          <a:pPr algn="ctr"/>
+                          <a:r>
+                            <a:rPr lang="es-ES" dirty="0"/>
+                            <a:t>-</a:t>
+                          </a:r>
+                          <a:endParaRPr lang="en-GB" dirty="0"/>
+                        </a:p>
+                      </a:txBody>
+                      <a:tcPr anchor="ctr">
+                        <a:lnL w="12700" cap="flat" cmpd="sng" algn="ctr">
+                          <a:solidFill>
+                            <a:schemeClr val="tx1"/>
+                          </a:solidFill>
+                          <a:prstDash val="solid"/>
+                          <a:round/>
+                          <a:headEnd type="none" w="med" len="med"/>
+                          <a:tailEnd type="none" w="med" len="med"/>
+                        </a:lnL>
+                        <a:lnR w="12700" cap="flat" cmpd="sng" algn="ctr">
+                          <a:solidFill>
+                            <a:schemeClr val="tx1"/>
+                          </a:solidFill>
+                          <a:prstDash val="solid"/>
+                          <a:round/>
+                          <a:headEnd type="none" w="med" len="med"/>
+                          <a:tailEnd type="none" w="med" len="med"/>
+                        </a:lnR>
+                        <a:lnT w="12700" cap="flat" cmpd="sng" algn="ctr">
+                          <a:solidFill>
+                            <a:schemeClr val="tx1"/>
+                          </a:solidFill>
+                          <a:prstDash val="solid"/>
+                          <a:round/>
+                          <a:headEnd type="none" w="med" len="med"/>
+                          <a:tailEnd type="none" w="med" len="med"/>
+                        </a:lnT>
+                        <a:lnB w="12700" cap="flat" cmpd="sng" algn="ctr">
+                          <a:solidFill>
+                            <a:schemeClr val="tx1"/>
+                          </a:solidFill>
+                          <a:prstDash val="solid"/>
+                          <a:round/>
+                          <a:headEnd type="none" w="med" len="med"/>
+                          <a:tailEnd type="none" w="med" len="med"/>
+                        </a:lnB>
+                        <a:solidFill>
+                          <a:schemeClr val="accent5">
+                            <a:lumMod val="20000"/>
+                            <a:lumOff val="80000"/>
+                          </a:schemeClr>
+                        </a:solidFill>
+                      </a:tcPr>
+                    </a:tc>
+                    <a:tc>
+                      <a:txBody>
+                        <a:bodyPr/>
+                        <a:lstStyle/>
+                        <a:p>
+                          <a:pPr algn="ctr"/>
+                          <a:r>
+                            <a:rPr lang="es-ES" dirty="0"/>
+                            <a:t>-</a:t>
+                          </a:r>
+                          <a:endParaRPr lang="en-GB" dirty="0"/>
+                        </a:p>
+                      </a:txBody>
+                      <a:tcPr anchor="ctr">
+                        <a:lnL w="12700" cap="flat" cmpd="sng" algn="ctr">
+                          <a:solidFill>
+                            <a:schemeClr val="tx1"/>
+                          </a:solidFill>
+                          <a:prstDash val="solid"/>
+                          <a:round/>
+                          <a:headEnd type="none" w="med" len="med"/>
+                          <a:tailEnd type="none" w="med" len="med"/>
+                        </a:lnL>
+                        <a:lnR w="12700" cap="flat" cmpd="sng" algn="ctr">
+                          <a:solidFill>
+                            <a:schemeClr val="tx1"/>
+                          </a:solidFill>
+                          <a:prstDash val="solid"/>
+                          <a:round/>
+                          <a:headEnd type="none" w="med" len="med"/>
+                          <a:tailEnd type="none" w="med" len="med"/>
+                        </a:lnR>
+                        <a:lnT w="12700" cap="flat" cmpd="sng" algn="ctr">
+                          <a:solidFill>
+                            <a:schemeClr val="tx1"/>
+                          </a:solidFill>
+                          <a:prstDash val="solid"/>
+                          <a:round/>
+                          <a:headEnd type="none" w="med" len="med"/>
+                          <a:tailEnd type="none" w="med" len="med"/>
+                        </a:lnT>
+                        <a:lnB w="12700" cap="flat" cmpd="sng" algn="ctr">
+                          <a:solidFill>
+                            <a:schemeClr val="tx1"/>
+                          </a:solidFill>
+                          <a:prstDash val="solid"/>
+                          <a:round/>
+                          <a:headEnd type="none" w="med" len="med"/>
+                          <a:tailEnd type="none" w="med" len="med"/>
+                        </a:lnB>
+                        <a:solidFill>
+                          <a:schemeClr val="accent5">
+                            <a:lumMod val="20000"/>
+                            <a:lumOff val="80000"/>
+                          </a:schemeClr>
+                        </a:solidFill>
+                      </a:tcPr>
+                    </a:tc>
+                    <a:extLst>
+                      <a:ext uri="{0D108BD9-81ED-4DB2-BD59-A6C34878D82A}">
+                        <a16:rowId xmlns:a16="http://schemas.microsoft.com/office/drawing/2014/main" val="10001"/>
+                      </a:ext>
+                    </a:extLst>
+                  </a:tr>
+                  <a:tr h="659635">
+                    <a:tc>
+                      <a:txBody>
+                        <a:bodyPr/>
+                        <a:lstStyle/>
+                        <a:p>
+                          <a:pPr algn="ctr"/>
+                          <a14:m>
+                            <m:oMathPara xmlns:m="http://schemas.openxmlformats.org/officeDocument/2006/math">
+                              <m:oMathParaPr>
+                                <m:jc m:val="centerGroup"/>
+                              </m:oMathParaPr>
+                              <m:oMath xmlns:m="http://schemas.openxmlformats.org/officeDocument/2006/math">
+                                <m:r>
+                                  <a:rPr lang="es-ES" b="0" i="1" baseline="0" dirty="0" smtClean="0">
+                                    <a:latin typeface="Cambria Math" charset="0"/>
+                                  </a:rPr>
+                                  <m:t>1</m:t>
+                                </m:r>
+                              </m:oMath>
+                            </m:oMathPara>
+                          </a14:m>
+                          <a:endParaRPr lang="en-GB" baseline="-25000" dirty="0"/>
+                        </a:p>
+                      </a:txBody>
+                      <a:tcPr anchor="ctr">
+                        <a:lnL w="12700" cap="flat" cmpd="sng" algn="ctr">
+                          <a:solidFill>
+                            <a:schemeClr val="tx1"/>
+                          </a:solidFill>
+                          <a:prstDash val="solid"/>
+                          <a:round/>
+                          <a:headEnd type="none" w="med" len="med"/>
+                          <a:tailEnd type="none" w="med" len="med"/>
+                        </a:lnL>
+                        <a:lnR w="12700" cap="flat" cmpd="sng" algn="ctr">
+                          <a:solidFill>
+                            <a:schemeClr val="tx1"/>
+                          </a:solidFill>
+                          <a:prstDash val="solid"/>
+                          <a:round/>
+                          <a:headEnd type="none" w="med" len="med"/>
+                          <a:tailEnd type="none" w="med" len="med"/>
+                        </a:lnR>
+                        <a:lnT w="12700" cap="flat" cmpd="sng" algn="ctr">
+                          <a:solidFill>
+                            <a:schemeClr val="tx1"/>
+                          </a:solidFill>
+                          <a:prstDash val="solid"/>
+                          <a:round/>
+                          <a:headEnd type="none" w="med" len="med"/>
+                          <a:tailEnd type="none" w="med" len="med"/>
+                        </a:lnT>
+                        <a:lnB w="12700" cap="flat" cmpd="sng" algn="ctr">
+                          <a:solidFill>
+                            <a:schemeClr val="tx1"/>
+                          </a:solidFill>
+                          <a:prstDash val="solid"/>
+                          <a:round/>
+                          <a:headEnd type="none" w="med" len="med"/>
+                          <a:tailEnd type="none" w="med" len="med"/>
+                        </a:lnB>
+                        <a:solidFill>
+                          <a:schemeClr val="accent5">
+                            <a:lumMod val="20000"/>
+                            <a:lumOff val="80000"/>
+                          </a:schemeClr>
+                        </a:solidFill>
+                      </a:tcPr>
+                    </a:tc>
+                    <a:tc>
+                      <a:txBody>
+                        <a:bodyPr/>
+                        <a:lstStyle/>
+                        <a:p>
+                          <a:pPr algn="ctr"/>
+                          <a:r>
+                            <a:rPr lang="es-ES" dirty="0"/>
+                            <a:t>-</a:t>
+                          </a:r>
+                          <a:endParaRPr lang="en-GB" dirty="0"/>
+                        </a:p>
+                      </a:txBody>
+                      <a:tcPr anchor="ctr">
+                        <a:lnL w="12700" cap="flat" cmpd="sng" algn="ctr">
+                          <a:solidFill>
+                            <a:schemeClr val="tx1"/>
+                          </a:solidFill>
+                          <a:prstDash val="solid"/>
+                          <a:round/>
+                          <a:headEnd type="none" w="med" len="med"/>
+                          <a:tailEnd type="none" w="med" len="med"/>
+                        </a:lnL>
+                        <a:lnR w="12700" cap="flat" cmpd="sng" algn="ctr">
+                          <a:solidFill>
+                            <a:schemeClr val="tx1"/>
+                          </a:solidFill>
+                          <a:prstDash val="solid"/>
+                          <a:round/>
+                          <a:headEnd type="none" w="med" len="med"/>
+                          <a:tailEnd type="none" w="med" len="med"/>
+                        </a:lnR>
+                        <a:lnT w="12700" cap="flat" cmpd="sng" algn="ctr">
+                          <a:solidFill>
+                            <a:schemeClr val="tx1"/>
+                          </a:solidFill>
+                          <a:prstDash val="solid"/>
+                          <a:round/>
+                          <a:headEnd type="none" w="med" len="med"/>
+                          <a:tailEnd type="none" w="med" len="med"/>
+                        </a:lnT>
+                        <a:lnB w="12700" cap="flat" cmpd="sng" algn="ctr">
+                          <a:solidFill>
+                            <a:schemeClr val="tx1"/>
+                          </a:solidFill>
+                          <a:prstDash val="solid"/>
+                          <a:round/>
+                          <a:headEnd type="none" w="med" len="med"/>
+                          <a:tailEnd type="none" w="med" len="med"/>
+                        </a:lnB>
+                        <a:solidFill>
+                          <a:schemeClr val="accent5">
+                            <a:lumMod val="20000"/>
+                            <a:lumOff val="80000"/>
+                          </a:schemeClr>
+                        </a:solidFill>
+                      </a:tcPr>
+                    </a:tc>
+                    <a:tc>
+                      <a:txBody>
+                        <a:bodyPr/>
+                        <a:lstStyle/>
+                        <a:p>
+                          <a:pPr marL="0" marR="0" indent="0" algn="ctr" defTabSz="914400" rtl="0" eaLnBrk="1" fontAlgn="auto" latinLnBrk="0" hangingPunct="1">
+                            <a:lnSpc>
+                              <a:spcPct val="100000"/>
+                            </a:lnSpc>
+                            <a:spcBef>
+                              <a:spcPts val="0"/>
+                            </a:spcBef>
+                            <a:spcAft>
+                              <a:spcPts val="0"/>
+                            </a:spcAft>
+                            <a:buClrTx/>
+                            <a:buSzTx/>
+                            <a:buFontTx/>
+                            <a:buNone/>
+                            <a:tabLst/>
+                            <a:defRPr/>
+                          </a:pPr>
+                          <a:r>
+                            <a:rPr lang="es-ES" dirty="0"/>
+                            <a:t>-</a:t>
+                          </a:r>
+                          <a:endParaRPr lang="en-GB" dirty="0"/>
+                        </a:p>
+                      </a:txBody>
+                      <a:tcPr anchor="ctr">
+                        <a:lnL w="12700" cap="flat" cmpd="sng" algn="ctr">
+                          <a:solidFill>
+                            <a:schemeClr val="tx1"/>
+                          </a:solidFill>
+                          <a:prstDash val="solid"/>
+                          <a:round/>
+                          <a:headEnd type="none" w="med" len="med"/>
+                          <a:tailEnd type="none" w="med" len="med"/>
+                        </a:lnL>
+                        <a:lnR w="12700" cap="flat" cmpd="sng" algn="ctr">
+                          <a:solidFill>
+                            <a:schemeClr val="tx1"/>
+                          </a:solidFill>
+                          <a:prstDash val="solid"/>
+                          <a:round/>
+                          <a:headEnd type="none" w="med" len="med"/>
+                          <a:tailEnd type="none" w="med" len="med"/>
+                        </a:lnR>
+                        <a:lnT w="12700" cap="flat" cmpd="sng" algn="ctr">
+                          <a:solidFill>
+                            <a:schemeClr val="tx1"/>
+                          </a:solidFill>
+                          <a:prstDash val="solid"/>
+                          <a:round/>
+                          <a:headEnd type="none" w="med" len="med"/>
+                          <a:tailEnd type="none" w="med" len="med"/>
+                        </a:lnT>
+                        <a:lnB w="12700" cap="flat" cmpd="sng" algn="ctr">
+                          <a:solidFill>
+                            <a:schemeClr val="tx1"/>
+                          </a:solidFill>
+                          <a:prstDash val="solid"/>
+                          <a:round/>
+                          <a:headEnd type="none" w="med" len="med"/>
+                          <a:tailEnd type="none" w="med" len="med"/>
+                        </a:lnB>
+                        <a:solidFill>
+                          <a:schemeClr val="accent5">
+                            <a:lumMod val="20000"/>
+                            <a:lumOff val="80000"/>
+                          </a:schemeClr>
+                        </a:solidFill>
+                      </a:tcPr>
+                    </a:tc>
+                    <a:tc>
+                      <a:txBody>
+                        <a:bodyPr/>
+                        <a:lstStyle/>
+                        <a:p>
+                          <a:pPr algn="ctr"/>
+                          <a:r>
+                            <a:rPr lang="es-ES" dirty="0"/>
+                            <a:t>-</a:t>
+                          </a:r>
+                          <a:endParaRPr lang="en-GB" dirty="0"/>
+                        </a:p>
+                      </a:txBody>
+                      <a:tcPr anchor="ctr">
+                        <a:lnL w="12700" cap="flat" cmpd="sng" algn="ctr">
+                          <a:solidFill>
+                            <a:schemeClr val="tx1"/>
+                          </a:solidFill>
+                          <a:prstDash val="solid"/>
+                          <a:round/>
+                          <a:headEnd type="none" w="med" len="med"/>
+                          <a:tailEnd type="none" w="med" len="med"/>
+                        </a:lnL>
+                        <a:lnR w="12700" cap="flat" cmpd="sng" algn="ctr">
+                          <a:solidFill>
+                            <a:schemeClr val="tx1"/>
+                          </a:solidFill>
+                          <a:prstDash val="solid"/>
+                          <a:round/>
+                          <a:headEnd type="none" w="med" len="med"/>
+                          <a:tailEnd type="none" w="med" len="med"/>
+                        </a:lnR>
+                        <a:lnT w="12700" cap="flat" cmpd="sng" algn="ctr">
+                          <a:solidFill>
+                            <a:schemeClr val="tx1"/>
+                          </a:solidFill>
+                          <a:prstDash val="solid"/>
+                          <a:round/>
+                          <a:headEnd type="none" w="med" len="med"/>
+                          <a:tailEnd type="none" w="med" len="med"/>
+                        </a:lnT>
+                        <a:lnB w="12700" cap="flat" cmpd="sng" algn="ctr">
+                          <a:solidFill>
+                            <a:schemeClr val="tx1"/>
+                          </a:solidFill>
+                          <a:prstDash val="solid"/>
+                          <a:round/>
+                          <a:headEnd type="none" w="med" len="med"/>
+                          <a:tailEnd type="none" w="med" len="med"/>
+                        </a:lnB>
+                        <a:solidFill>
+                          <a:schemeClr val="accent5">
+                            <a:lumMod val="20000"/>
+                            <a:lumOff val="80000"/>
+                          </a:schemeClr>
+                        </a:solidFill>
+                      </a:tcPr>
+                    </a:tc>
+                    <a:extLst>
+                      <a:ext uri="{0D108BD9-81ED-4DB2-BD59-A6C34878D82A}">
+                        <a16:rowId xmlns:a16="http://schemas.microsoft.com/office/drawing/2014/main" val="10002"/>
+                      </a:ext>
+                    </a:extLst>
+                  </a:tr>
+                  <a:tr h="659635">
+                    <a:tc>
+                      <a:txBody>
+                        <a:bodyPr/>
+                        <a:lstStyle/>
+                        <a:p>
+                          <a:pPr algn="ctr"/>
+                          <a:r>
+                            <a:rPr lang="es-ES" dirty="0"/>
+                            <a:t>2</a:t>
+                          </a:r>
+                          <a:endParaRPr lang="en-GB" dirty="0"/>
+                        </a:p>
+                      </a:txBody>
+                      <a:tcPr anchor="ctr">
+                        <a:lnL w="12700" cap="flat" cmpd="sng" algn="ctr">
+                          <a:solidFill>
+                            <a:schemeClr val="tx1"/>
+                          </a:solidFill>
+                          <a:prstDash val="solid"/>
+                          <a:round/>
+                          <a:headEnd type="none" w="med" len="med"/>
+                          <a:tailEnd type="none" w="med" len="med"/>
+                        </a:lnL>
+                        <a:lnR w="12700" cap="flat" cmpd="sng" algn="ctr">
+                          <a:solidFill>
+                            <a:schemeClr val="tx1"/>
+                          </a:solidFill>
+                          <a:prstDash val="solid"/>
+                          <a:round/>
+                          <a:headEnd type="none" w="med" len="med"/>
+                          <a:tailEnd type="none" w="med" len="med"/>
+                        </a:lnR>
+                        <a:lnT w="12700" cap="flat" cmpd="sng" algn="ctr">
+                          <a:solidFill>
+                            <a:schemeClr val="tx1"/>
+                          </a:solidFill>
+                          <a:prstDash val="solid"/>
+                          <a:round/>
+                          <a:headEnd type="none" w="med" len="med"/>
+                          <a:tailEnd type="none" w="med" len="med"/>
+                        </a:lnT>
+                        <a:lnB w="12700" cap="flat" cmpd="sng" algn="ctr">
+                          <a:solidFill>
+                            <a:schemeClr val="tx1"/>
+                          </a:solidFill>
+                          <a:prstDash val="solid"/>
+                          <a:round/>
+                          <a:headEnd type="none" w="med" len="med"/>
+                          <a:tailEnd type="none" w="med" len="med"/>
+                        </a:lnB>
+                        <a:solidFill>
+                          <a:schemeClr val="accent5">
+                            <a:lumMod val="20000"/>
+                            <a:lumOff val="80000"/>
+                          </a:schemeClr>
+                        </a:solidFill>
+                      </a:tcPr>
+                    </a:tc>
+                    <a:tc>
+                      <a:txBody>
+                        <a:bodyPr/>
+                        <a:lstStyle/>
+                        <a:p>
+                          <a:pPr algn="ctr"/>
+                          <a:r>
+                            <a:rPr lang="es-ES" dirty="0"/>
+                            <a:t>-</a:t>
+                          </a:r>
+                          <a:endParaRPr lang="en-GB" dirty="0"/>
+                        </a:p>
+                      </a:txBody>
+                      <a:tcPr anchor="ctr">
+                        <a:lnL w="12700" cap="flat" cmpd="sng" algn="ctr">
+                          <a:solidFill>
+                            <a:schemeClr val="tx1"/>
+                          </a:solidFill>
+                          <a:prstDash val="solid"/>
+                          <a:round/>
+                          <a:headEnd type="none" w="med" len="med"/>
+                          <a:tailEnd type="none" w="med" len="med"/>
+                        </a:lnL>
+                        <a:lnR w="12700" cap="flat" cmpd="sng" algn="ctr">
+                          <a:solidFill>
+                            <a:schemeClr val="tx1"/>
+                          </a:solidFill>
+                          <a:prstDash val="solid"/>
+                          <a:round/>
+                          <a:headEnd type="none" w="med" len="med"/>
+                          <a:tailEnd type="none" w="med" len="med"/>
+                        </a:lnR>
+                        <a:lnT w="12700" cap="flat" cmpd="sng" algn="ctr">
+                          <a:solidFill>
+                            <a:schemeClr val="tx1"/>
+                          </a:solidFill>
+                          <a:prstDash val="solid"/>
+                          <a:round/>
+                          <a:headEnd type="none" w="med" len="med"/>
+                          <a:tailEnd type="none" w="med" len="med"/>
+                        </a:lnT>
+                        <a:lnB w="12700" cap="flat" cmpd="sng" algn="ctr">
+                          <a:solidFill>
+                            <a:schemeClr val="tx1"/>
+                          </a:solidFill>
+                          <a:prstDash val="solid"/>
+                          <a:round/>
+                          <a:headEnd type="none" w="med" len="med"/>
+                          <a:tailEnd type="none" w="med" len="med"/>
+                        </a:lnB>
+                        <a:solidFill>
+                          <a:schemeClr val="accent5">
+                            <a:lumMod val="20000"/>
+                            <a:lumOff val="80000"/>
+                          </a:schemeClr>
+                        </a:solidFill>
+                      </a:tcPr>
+                    </a:tc>
+                    <a:tc>
+                      <a:txBody>
+                        <a:bodyPr/>
+                        <a:lstStyle/>
+                        <a:p>
+                          <a:pPr algn="ctr"/>
+                          <a:r>
+                            <a:rPr lang="es-ES" dirty="0"/>
+                            <a:t>-</a:t>
+                          </a:r>
+                          <a:endParaRPr lang="en-GB" dirty="0"/>
+                        </a:p>
+                      </a:txBody>
+                      <a:tcPr anchor="ctr">
+                        <a:lnL w="12700" cap="flat" cmpd="sng" algn="ctr">
+                          <a:solidFill>
+                            <a:schemeClr val="tx1"/>
+                          </a:solidFill>
+                          <a:prstDash val="solid"/>
+                          <a:round/>
+                          <a:headEnd type="none" w="med" len="med"/>
+                          <a:tailEnd type="none" w="med" len="med"/>
+                        </a:lnL>
+                        <a:lnR w="12700" cap="flat" cmpd="sng" algn="ctr">
+                          <a:solidFill>
+                            <a:schemeClr val="tx1"/>
+                          </a:solidFill>
+                          <a:prstDash val="solid"/>
+                          <a:round/>
+                          <a:headEnd type="none" w="med" len="med"/>
+                          <a:tailEnd type="none" w="med" len="med"/>
+                        </a:lnR>
+                        <a:lnT w="12700" cap="flat" cmpd="sng" algn="ctr">
+                          <a:solidFill>
+                            <a:schemeClr val="tx1"/>
+                          </a:solidFill>
+                          <a:prstDash val="solid"/>
+                          <a:round/>
+                          <a:headEnd type="none" w="med" len="med"/>
+                          <a:tailEnd type="none" w="med" len="med"/>
+                        </a:lnT>
+                        <a:lnB w="12700" cap="flat" cmpd="sng" algn="ctr">
+                          <a:solidFill>
+                            <a:schemeClr val="tx1"/>
+                          </a:solidFill>
+                          <a:prstDash val="solid"/>
+                          <a:round/>
+                          <a:headEnd type="none" w="med" len="med"/>
+                          <a:tailEnd type="none" w="med" len="med"/>
+                        </a:lnB>
+                        <a:solidFill>
+                          <a:schemeClr val="accent5">
+                            <a:lumMod val="20000"/>
+                            <a:lumOff val="80000"/>
+                          </a:schemeClr>
+                        </a:solidFill>
+                      </a:tcPr>
+                    </a:tc>
+                    <a:tc>
+                      <a:txBody>
+                        <a:bodyPr/>
+                        <a:lstStyle/>
+                        <a:p>
+                          <a:pPr algn="ctr"/>
+                          <a:r>
+                            <a:rPr lang="es-ES" dirty="0"/>
+                            <a:t>-</a:t>
+                          </a:r>
+                          <a:endParaRPr lang="en-GB" dirty="0"/>
+                        </a:p>
+                      </a:txBody>
+                      <a:tcPr anchor="ctr">
+                        <a:lnL w="12700" cap="flat" cmpd="sng" algn="ctr">
+                          <a:solidFill>
+                            <a:schemeClr val="tx1"/>
+                          </a:solidFill>
+                          <a:prstDash val="solid"/>
+                          <a:round/>
+                          <a:headEnd type="none" w="med" len="med"/>
+                          <a:tailEnd type="none" w="med" len="med"/>
+                        </a:lnL>
+                        <a:lnR w="12700" cap="flat" cmpd="sng" algn="ctr">
+                          <a:solidFill>
+                            <a:schemeClr val="tx1"/>
+                          </a:solidFill>
+                          <a:prstDash val="solid"/>
+                          <a:round/>
+                          <a:headEnd type="none" w="med" len="med"/>
+                          <a:tailEnd type="none" w="med" len="med"/>
+                        </a:lnR>
+                        <a:lnT w="12700" cap="flat" cmpd="sng" algn="ctr">
+                          <a:solidFill>
+                            <a:schemeClr val="tx1"/>
+                          </a:solidFill>
+                          <a:prstDash val="solid"/>
+                          <a:round/>
+                          <a:headEnd type="none" w="med" len="med"/>
+                          <a:tailEnd type="none" w="med" len="med"/>
+                        </a:lnT>
+                        <a:lnB w="12700" cap="flat" cmpd="sng" algn="ctr">
+                          <a:solidFill>
+                            <a:schemeClr val="tx1"/>
+                          </a:solidFill>
+                          <a:prstDash val="solid"/>
+                          <a:round/>
+                          <a:headEnd type="none" w="med" len="med"/>
+                          <a:tailEnd type="none" w="med" len="med"/>
+                        </a:lnB>
+                        <a:solidFill>
+                          <a:schemeClr val="accent5">
+                            <a:lumMod val="20000"/>
+                            <a:lumOff val="80000"/>
+                          </a:schemeClr>
+                        </a:solidFill>
+                      </a:tcPr>
+                    </a:tc>
+                    <a:extLst>
+                      <a:ext uri="{0D108BD9-81ED-4DB2-BD59-A6C34878D82A}">
+                        <a16:rowId xmlns:a16="http://schemas.microsoft.com/office/drawing/2014/main" val="2464755942"/>
+                      </a:ext>
+                    </a:extLst>
+                  </a:tr>
+                  <a:tr h="659635">
+                    <a:tc>
+                      <a:txBody>
+                        <a:bodyPr/>
+                        <a:lstStyle/>
+                        <a:p>
+                          <a:pPr algn="ctr"/>
+                          <a14:m>
+                            <m:oMathPara xmlns:m="http://schemas.openxmlformats.org/officeDocument/2006/math">
+                              <m:oMathParaPr>
+                                <m:jc m:val="centerGroup"/>
+                              </m:oMathParaPr>
+                              <m:oMath xmlns:m="http://schemas.openxmlformats.org/officeDocument/2006/math">
+                                <m:r>
+                                  <a:rPr lang="es-ES" b="0" i="1" baseline="0" dirty="0" smtClean="0">
+                                    <a:latin typeface="Cambria Math" panose="02040503050406030204" pitchFamily="18" charset="0"/>
+                                  </a:rPr>
+                                  <m:t>3</m:t>
+                                </m:r>
+                              </m:oMath>
+                            </m:oMathPara>
+                          </a14:m>
+                          <a:endParaRPr lang="en-GB" baseline="-25000" dirty="0"/>
+                        </a:p>
+                      </a:txBody>
+                      <a:tcPr anchor="ctr">
+                        <a:lnL w="12700" cap="flat" cmpd="sng" algn="ctr">
+                          <a:solidFill>
+                            <a:schemeClr val="tx1"/>
+                          </a:solidFill>
+                          <a:prstDash val="solid"/>
+                          <a:round/>
+                          <a:headEnd type="none" w="med" len="med"/>
+                          <a:tailEnd type="none" w="med" len="med"/>
+                        </a:lnL>
+                        <a:lnR w="12700" cap="flat" cmpd="sng" algn="ctr">
+                          <a:solidFill>
+                            <a:schemeClr val="tx1"/>
+                          </a:solidFill>
+                          <a:prstDash val="solid"/>
+                          <a:round/>
+                          <a:headEnd type="none" w="med" len="med"/>
+                          <a:tailEnd type="none" w="med" len="med"/>
+                        </a:lnR>
+                        <a:lnT w="12700" cap="flat" cmpd="sng" algn="ctr">
+                          <a:solidFill>
+                            <a:schemeClr val="tx1"/>
+                          </a:solidFill>
+                          <a:prstDash val="solid"/>
+                          <a:round/>
+                          <a:headEnd type="none" w="med" len="med"/>
+                          <a:tailEnd type="none" w="med" len="med"/>
+                        </a:lnT>
+                        <a:lnB w="12700" cap="flat" cmpd="sng" algn="ctr">
+                          <a:solidFill>
+                            <a:schemeClr val="tx1"/>
+                          </a:solidFill>
+                          <a:prstDash val="solid"/>
+                          <a:round/>
+                          <a:headEnd type="none" w="med" len="med"/>
+                          <a:tailEnd type="none" w="med" len="med"/>
+                        </a:lnB>
+                        <a:solidFill>
+                          <a:schemeClr val="accent5">
+                            <a:lumMod val="20000"/>
+                            <a:lumOff val="80000"/>
+                          </a:schemeClr>
+                        </a:solidFill>
+                      </a:tcPr>
+                    </a:tc>
+                    <a:tc>
+                      <a:txBody>
+                        <a:bodyPr/>
+                        <a:lstStyle/>
+                        <a:p>
+                          <a:pPr algn="ctr"/>
+                          <a:r>
+                            <a:rPr lang="es-ES" dirty="0"/>
+                            <a:t>-</a:t>
+                          </a:r>
+                          <a:endParaRPr lang="en-GB" dirty="0"/>
+                        </a:p>
+                      </a:txBody>
+                      <a:tcPr anchor="ctr">
+                        <a:lnL w="12700" cap="flat" cmpd="sng" algn="ctr">
+                          <a:solidFill>
+                            <a:schemeClr val="tx1"/>
+                          </a:solidFill>
+                          <a:prstDash val="solid"/>
+                          <a:round/>
+                          <a:headEnd type="none" w="med" len="med"/>
+                          <a:tailEnd type="none" w="med" len="med"/>
+                        </a:lnL>
+                        <a:lnR w="12700" cap="flat" cmpd="sng" algn="ctr">
+                          <a:solidFill>
+                            <a:schemeClr val="tx1"/>
+                          </a:solidFill>
+                          <a:prstDash val="solid"/>
+                          <a:round/>
+                          <a:headEnd type="none" w="med" len="med"/>
+                          <a:tailEnd type="none" w="med" len="med"/>
+                        </a:lnR>
+                        <a:lnT w="12700" cap="flat" cmpd="sng" algn="ctr">
+                          <a:solidFill>
+                            <a:schemeClr val="tx1"/>
+                          </a:solidFill>
+                          <a:prstDash val="solid"/>
+                          <a:round/>
+                          <a:headEnd type="none" w="med" len="med"/>
+                          <a:tailEnd type="none" w="med" len="med"/>
+                        </a:lnT>
+                        <a:lnB w="12700" cap="flat" cmpd="sng" algn="ctr">
+                          <a:solidFill>
+                            <a:schemeClr val="tx1"/>
+                          </a:solidFill>
+                          <a:prstDash val="solid"/>
+                          <a:round/>
+                          <a:headEnd type="none" w="med" len="med"/>
+                          <a:tailEnd type="none" w="med" len="med"/>
+                        </a:lnB>
+                        <a:solidFill>
+                          <a:schemeClr val="accent5">
+                            <a:lumMod val="20000"/>
+                            <a:lumOff val="80000"/>
+                          </a:schemeClr>
+                        </a:solidFill>
+                      </a:tcPr>
+                    </a:tc>
+                    <a:tc>
+                      <a:txBody>
+                        <a:bodyPr/>
+                        <a:lstStyle/>
+                        <a:p>
+                          <a:pPr marL="0" marR="0" indent="0" algn="ctr" defTabSz="914400" rtl="0" eaLnBrk="1" fontAlgn="auto" latinLnBrk="0" hangingPunct="1">
+                            <a:lnSpc>
+                              <a:spcPct val="100000"/>
+                            </a:lnSpc>
+                            <a:spcBef>
+                              <a:spcPts val="0"/>
+                            </a:spcBef>
+                            <a:spcAft>
+                              <a:spcPts val="0"/>
+                            </a:spcAft>
+                            <a:buClrTx/>
+                            <a:buSzTx/>
+                            <a:buFontTx/>
+                            <a:buNone/>
+                            <a:tabLst/>
+                            <a:defRPr/>
+                          </a:pPr>
+                          <a:r>
+                            <a:rPr lang="es-ES" dirty="0"/>
+                            <a:t>-</a:t>
+                          </a:r>
+                          <a:endParaRPr lang="en-GB" dirty="0"/>
+                        </a:p>
+                      </a:txBody>
+                      <a:tcPr anchor="ctr">
+                        <a:lnL w="12700" cap="flat" cmpd="sng" algn="ctr">
+                          <a:solidFill>
+                            <a:schemeClr val="tx1"/>
+                          </a:solidFill>
+                          <a:prstDash val="solid"/>
+                          <a:round/>
+                          <a:headEnd type="none" w="med" len="med"/>
+                          <a:tailEnd type="none" w="med" len="med"/>
+                        </a:lnL>
+                        <a:lnR w="12700" cap="flat" cmpd="sng" algn="ctr">
+                          <a:solidFill>
+                            <a:schemeClr val="tx1"/>
+                          </a:solidFill>
+                          <a:prstDash val="solid"/>
+                          <a:round/>
+                          <a:headEnd type="none" w="med" len="med"/>
+                          <a:tailEnd type="none" w="med" len="med"/>
+                        </a:lnR>
+                        <a:lnT w="12700" cap="flat" cmpd="sng" algn="ctr">
+                          <a:solidFill>
+                            <a:schemeClr val="tx1"/>
+                          </a:solidFill>
+                          <a:prstDash val="solid"/>
+                          <a:round/>
+                          <a:headEnd type="none" w="med" len="med"/>
+                          <a:tailEnd type="none" w="med" len="med"/>
+                        </a:lnT>
+                        <a:lnB w="12700" cap="flat" cmpd="sng" algn="ctr">
+                          <a:solidFill>
+                            <a:schemeClr val="tx1"/>
+                          </a:solidFill>
+                          <a:prstDash val="solid"/>
+                          <a:round/>
+                          <a:headEnd type="none" w="med" len="med"/>
+                          <a:tailEnd type="none" w="med" len="med"/>
+                        </a:lnB>
+                        <a:solidFill>
+                          <a:schemeClr val="accent5">
+                            <a:lumMod val="20000"/>
+                            <a:lumOff val="80000"/>
+                          </a:schemeClr>
+                        </a:solidFill>
+                      </a:tcPr>
+                    </a:tc>
+                    <a:tc>
+                      <a:txBody>
+                        <a:bodyPr/>
+                        <a:lstStyle/>
+                        <a:p>
+                          <a:pPr algn="ctr"/>
+                          <a:r>
+                            <a:rPr lang="es-ES" dirty="0"/>
+                            <a:t>-</a:t>
+                          </a:r>
+                          <a:endParaRPr lang="en-GB" dirty="0"/>
+                        </a:p>
+                      </a:txBody>
+                      <a:tcPr anchor="ctr">
+                        <a:lnL w="12700" cap="flat" cmpd="sng" algn="ctr">
+                          <a:solidFill>
+                            <a:schemeClr val="tx1"/>
+                          </a:solidFill>
+                          <a:prstDash val="solid"/>
+                          <a:round/>
+                          <a:headEnd type="none" w="med" len="med"/>
+                          <a:tailEnd type="none" w="med" len="med"/>
+                        </a:lnL>
+                        <a:lnR w="12700" cap="flat" cmpd="sng" algn="ctr">
+                          <a:solidFill>
+                            <a:schemeClr val="tx1"/>
+                          </a:solidFill>
+                          <a:prstDash val="solid"/>
+                          <a:round/>
+                          <a:headEnd type="none" w="med" len="med"/>
+                          <a:tailEnd type="none" w="med" len="med"/>
+                        </a:lnR>
+                        <a:lnT w="12700" cap="flat" cmpd="sng" algn="ctr">
+                          <a:solidFill>
+                            <a:schemeClr val="tx1"/>
+                          </a:solidFill>
+                          <a:prstDash val="solid"/>
+                          <a:round/>
+                          <a:headEnd type="none" w="med" len="med"/>
+                          <a:tailEnd type="none" w="med" len="med"/>
+                        </a:lnT>
+                        <a:lnB w="12700" cap="flat" cmpd="sng" algn="ctr">
+                          <a:solidFill>
+                            <a:schemeClr val="tx1"/>
+                          </a:solidFill>
+                          <a:prstDash val="solid"/>
+                          <a:round/>
+                          <a:headEnd type="none" w="med" len="med"/>
+                          <a:tailEnd type="none" w="med" len="med"/>
+                        </a:lnB>
+                        <a:solidFill>
+                          <a:schemeClr val="accent5">
+                            <a:lumMod val="20000"/>
+                            <a:lumOff val="80000"/>
+                          </a:schemeClr>
+                        </a:solidFill>
+                      </a:tcPr>
+                    </a:tc>
+                    <a:extLst>
+                      <a:ext uri="{0D108BD9-81ED-4DB2-BD59-A6C34878D82A}">
+                        <a16:rowId xmlns:a16="http://schemas.microsoft.com/office/drawing/2014/main" val="1079466576"/>
+                      </a:ext>
+                    </a:extLst>
+                  </a:tr>
+                  <a:tr h="659635">
+                    <a:tc>
+                      <a:txBody>
+                        <a:bodyPr/>
+                        <a:lstStyle/>
+                        <a:p>
+                          <a:pPr algn="ctr"/>
+                          <a14:m>
+                            <m:oMathPara xmlns:m="http://schemas.openxmlformats.org/officeDocument/2006/math">
+                              <m:oMathParaPr>
+                                <m:jc m:val="centerGroup"/>
+                              </m:oMathParaPr>
+                              <m:oMath xmlns:m="http://schemas.openxmlformats.org/officeDocument/2006/math">
+                                <m:r>
+                                  <a:rPr lang="es-ES" b="0" i="1" baseline="0" dirty="0" smtClean="0">
+                                    <a:latin typeface="Cambria Math" panose="02040503050406030204" pitchFamily="18" charset="0"/>
+                                  </a:rPr>
+                                  <m:t>4</m:t>
+                                </m:r>
+                              </m:oMath>
+                            </m:oMathPara>
+                          </a14:m>
+                          <a:endParaRPr lang="en-GB" baseline="-25000" dirty="0"/>
+                        </a:p>
+                      </a:txBody>
+                      <a:tcPr anchor="ctr">
+                        <a:lnL w="12700" cap="flat" cmpd="sng" algn="ctr">
+                          <a:solidFill>
+                            <a:schemeClr val="tx1"/>
+                          </a:solidFill>
+                          <a:prstDash val="solid"/>
+                          <a:round/>
+                          <a:headEnd type="none" w="med" len="med"/>
+                          <a:tailEnd type="none" w="med" len="med"/>
+                        </a:lnL>
+                        <a:lnR w="12700" cap="flat" cmpd="sng" algn="ctr">
+                          <a:solidFill>
+                            <a:schemeClr val="tx1"/>
+                          </a:solidFill>
+                          <a:prstDash val="solid"/>
+                          <a:round/>
+                          <a:headEnd type="none" w="med" len="med"/>
+                          <a:tailEnd type="none" w="med" len="med"/>
+                        </a:lnR>
+                        <a:lnT w="12700" cap="flat" cmpd="sng" algn="ctr">
+                          <a:solidFill>
+                            <a:schemeClr val="tx1"/>
+                          </a:solidFill>
+                          <a:prstDash val="solid"/>
+                          <a:round/>
+                          <a:headEnd type="none" w="med" len="med"/>
+                          <a:tailEnd type="none" w="med" len="med"/>
+                        </a:lnT>
+                        <a:lnB w="12700" cap="flat" cmpd="sng" algn="ctr">
+                          <a:solidFill>
+                            <a:schemeClr val="tx1"/>
+                          </a:solidFill>
+                          <a:prstDash val="solid"/>
+                          <a:round/>
+                          <a:headEnd type="none" w="med" len="med"/>
+                          <a:tailEnd type="none" w="med" len="med"/>
+                        </a:lnB>
+                        <a:solidFill>
+                          <a:schemeClr val="accent5">
+                            <a:lumMod val="20000"/>
+                            <a:lumOff val="80000"/>
+                          </a:schemeClr>
+                        </a:solidFill>
+                      </a:tcPr>
+                    </a:tc>
+                    <a:tc>
+                      <a:txBody>
+                        <a:bodyPr/>
+                        <a:lstStyle/>
+                        <a:p>
+                          <a:pPr algn="ctr"/>
+                          <a:r>
+                            <a:rPr lang="es-ES" dirty="0"/>
+                            <a:t>?</a:t>
+                          </a:r>
+                          <a:endParaRPr lang="en-GB" dirty="0"/>
+                        </a:p>
+                      </a:txBody>
+                      <a:tcPr anchor="ctr">
+                        <a:lnL w="12700" cap="flat" cmpd="sng" algn="ctr">
+                          <a:solidFill>
+                            <a:schemeClr val="tx1"/>
+                          </a:solidFill>
+                          <a:prstDash val="solid"/>
+                          <a:round/>
+                          <a:headEnd type="none" w="med" len="med"/>
+                          <a:tailEnd type="none" w="med" len="med"/>
+                        </a:lnL>
+                        <a:lnR w="12700" cap="flat" cmpd="sng" algn="ctr">
+                          <a:solidFill>
+                            <a:schemeClr val="tx1"/>
+                          </a:solidFill>
+                          <a:prstDash val="solid"/>
+                          <a:round/>
+                          <a:headEnd type="none" w="med" len="med"/>
+                          <a:tailEnd type="none" w="med" len="med"/>
+                        </a:lnR>
+                        <a:lnT w="12700" cap="flat" cmpd="sng" algn="ctr">
+                          <a:solidFill>
+                            <a:schemeClr val="tx1"/>
+                          </a:solidFill>
+                          <a:prstDash val="solid"/>
+                          <a:round/>
+                          <a:headEnd type="none" w="med" len="med"/>
+                          <a:tailEnd type="none" w="med" len="med"/>
+                        </a:lnT>
+                        <a:lnB w="12700" cap="flat" cmpd="sng" algn="ctr">
+                          <a:solidFill>
+                            <a:schemeClr val="tx1"/>
+                          </a:solidFill>
+                          <a:prstDash val="solid"/>
+                          <a:round/>
+                          <a:headEnd type="none" w="med" len="med"/>
+                          <a:tailEnd type="none" w="med" len="med"/>
+                        </a:lnB>
+                        <a:solidFill>
+                          <a:schemeClr val="accent5">
+                            <a:lumMod val="20000"/>
+                            <a:lumOff val="80000"/>
+                          </a:schemeClr>
+                        </a:solidFill>
+                      </a:tcPr>
+                    </a:tc>
+                    <a:tc>
+                      <a:txBody>
+                        <a:bodyPr/>
+                        <a:lstStyle/>
+                        <a:p>
+                          <a:pPr algn="ctr"/>
+                          <a:r>
+                            <a:rPr lang="es-ES" dirty="0"/>
+                            <a:t>?</a:t>
+                          </a:r>
+                          <a:endParaRPr lang="en-GB" dirty="0"/>
+                        </a:p>
+                      </a:txBody>
+                      <a:tcPr anchor="ctr">
+                        <a:lnL w="12700" cap="flat" cmpd="sng" algn="ctr">
+                          <a:solidFill>
+                            <a:schemeClr val="tx1"/>
+                          </a:solidFill>
+                          <a:prstDash val="solid"/>
+                          <a:round/>
+                          <a:headEnd type="none" w="med" len="med"/>
+                          <a:tailEnd type="none" w="med" len="med"/>
+                        </a:lnL>
+                        <a:lnR w="12700" cap="flat" cmpd="sng" algn="ctr">
+                          <a:solidFill>
+                            <a:schemeClr val="tx1"/>
+                          </a:solidFill>
+                          <a:prstDash val="solid"/>
+                          <a:round/>
+                          <a:headEnd type="none" w="med" len="med"/>
+                          <a:tailEnd type="none" w="med" len="med"/>
+                        </a:lnR>
+                        <a:lnT w="12700" cap="flat" cmpd="sng" algn="ctr">
+                          <a:solidFill>
+                            <a:schemeClr val="tx1"/>
+                          </a:solidFill>
+                          <a:prstDash val="solid"/>
+                          <a:round/>
+                          <a:headEnd type="none" w="med" len="med"/>
+                          <a:tailEnd type="none" w="med" len="med"/>
+                        </a:lnT>
+                        <a:lnB w="12700" cap="flat" cmpd="sng" algn="ctr">
+                          <a:solidFill>
+                            <a:schemeClr val="tx1"/>
+                          </a:solidFill>
+                          <a:prstDash val="solid"/>
+                          <a:round/>
+                          <a:headEnd type="none" w="med" len="med"/>
+                          <a:tailEnd type="none" w="med" len="med"/>
+                        </a:lnB>
+                        <a:solidFill>
+                          <a:schemeClr val="accent5">
+                            <a:lumMod val="20000"/>
+                            <a:lumOff val="80000"/>
+                          </a:schemeClr>
+                        </a:solidFill>
+                      </a:tcPr>
+                    </a:tc>
+                    <a:tc>
+                      <a:txBody>
+                        <a:bodyPr/>
+                        <a:lstStyle/>
+                        <a:p>
+                          <a:pPr algn="ctr"/>
+                          <a:r>
+                            <a:rPr lang="es-ES" dirty="0"/>
+                            <a:t>?</a:t>
+                          </a:r>
+                          <a:endParaRPr lang="en-GB" dirty="0"/>
+                        </a:p>
+                      </a:txBody>
+                      <a:tcPr anchor="ctr">
+                        <a:lnL w="12700" cap="flat" cmpd="sng" algn="ctr">
+                          <a:solidFill>
+                            <a:schemeClr val="tx1"/>
+                          </a:solidFill>
+                          <a:prstDash val="solid"/>
+                          <a:round/>
+                          <a:headEnd type="none" w="med" len="med"/>
+                          <a:tailEnd type="none" w="med" len="med"/>
+                        </a:lnL>
+                        <a:lnR w="12700" cap="flat" cmpd="sng" algn="ctr">
+                          <a:solidFill>
+                            <a:schemeClr val="tx1"/>
+                          </a:solidFill>
+                          <a:prstDash val="solid"/>
+                          <a:round/>
+                          <a:headEnd type="none" w="med" len="med"/>
+                          <a:tailEnd type="none" w="med" len="med"/>
+                        </a:lnR>
+                        <a:lnT w="12700" cap="flat" cmpd="sng" algn="ctr">
+                          <a:solidFill>
+                            <a:schemeClr val="tx1"/>
+                          </a:solidFill>
+                          <a:prstDash val="solid"/>
+                          <a:round/>
+                          <a:headEnd type="none" w="med" len="med"/>
+                          <a:tailEnd type="none" w="med" len="med"/>
+                        </a:lnT>
+                        <a:lnB w="12700" cap="flat" cmpd="sng" algn="ctr">
+                          <a:solidFill>
+                            <a:schemeClr val="tx1"/>
+                          </a:solidFill>
+                          <a:prstDash val="solid"/>
+                          <a:round/>
+                          <a:headEnd type="none" w="med" len="med"/>
+                          <a:tailEnd type="none" w="med" len="med"/>
+                        </a:lnB>
+                        <a:solidFill>
+                          <a:schemeClr val="accent5">
+                            <a:lumMod val="20000"/>
+                            <a:lumOff val="80000"/>
+                          </a:schemeClr>
+                        </a:solidFill>
+                      </a:tcPr>
+                    </a:tc>
+                    <a:extLst>
+                      <a:ext uri="{0D108BD9-81ED-4DB2-BD59-A6C34878D82A}">
+                        <a16:rowId xmlns:a16="http://schemas.microsoft.com/office/drawing/2014/main" val="345536636"/>
+                      </a:ext>
+                    </a:extLst>
+                  </a:tr>
+                </a:tbl>
+              </a:graphicData>
+            </a:graphic>
+          </p:graphicFrame>
+        </mc:Choice>
+        <mc:Fallback>
+          <p:graphicFrame>
+            <p:nvGraphicFramePr>
+              <p:cNvPr id="4" name="Table 3">
+                <a:extLst>
+                  <a:ext uri="{FF2B5EF4-FFF2-40B4-BE49-F238E27FC236}">
+                    <a16:creationId xmlns:a16="http://schemas.microsoft.com/office/drawing/2014/main" id="{C88ECF3E-4510-F740-8F29-9DDA7998FD2B}"/>
+                  </a:ext>
+                </a:extLst>
+              </p:cNvPr>
+              <p:cNvGraphicFramePr>
+                <a:graphicFrameLocks noGrp="1"/>
+              </p:cNvGraphicFramePr>
+              <p:nvPr>
+                <p:extLst>
+                  <p:ext uri="{D42A27DB-BD31-4B8C-83A1-F6EECF244321}">
+                    <p14:modId xmlns:p14="http://schemas.microsoft.com/office/powerpoint/2010/main" val="4023586314"/>
+                  </p:ext>
+                </p:extLst>
+              </p:nvPr>
+            </p:nvGraphicFramePr>
+            <p:xfrm>
+              <a:off x="765998" y="1872332"/>
+              <a:ext cx="3342760" cy="3929024"/>
+            </p:xfrm>
+            <a:graphic>
+              <a:graphicData uri="http://schemas.openxmlformats.org/drawingml/2006/table">
+                <a:tbl>
+                  <a:tblPr firstRow="1" bandRow="1">
+                    <a:tableStyleId>{2D5ABB26-0587-4C30-8999-92F81FD0307C}</a:tableStyleId>
+                  </a:tblPr>
+                  <a:tblGrid>
+                    <a:gridCol w="835690">
+                      <a:extLst>
+                        <a:ext uri="{9D8B030D-6E8A-4147-A177-3AD203B41FA5}">
+                          <a16:colId xmlns:a16="http://schemas.microsoft.com/office/drawing/2014/main" val="20000"/>
+                        </a:ext>
+                      </a:extLst>
+                    </a:gridCol>
+                    <a:gridCol w="835690">
+                      <a:extLst>
+                        <a:ext uri="{9D8B030D-6E8A-4147-A177-3AD203B41FA5}">
+                          <a16:colId xmlns:a16="http://schemas.microsoft.com/office/drawing/2014/main" val="20001"/>
+                        </a:ext>
+                      </a:extLst>
+                    </a:gridCol>
+                    <a:gridCol w="835690">
+                      <a:extLst>
+                        <a:ext uri="{9D8B030D-6E8A-4147-A177-3AD203B41FA5}">
+                          <a16:colId xmlns:a16="http://schemas.microsoft.com/office/drawing/2014/main" val="20002"/>
+                        </a:ext>
+                      </a:extLst>
+                    </a:gridCol>
+                    <a:gridCol w="835690">
+                      <a:extLst>
+                        <a:ext uri="{9D8B030D-6E8A-4147-A177-3AD203B41FA5}">
+                          <a16:colId xmlns:a16="http://schemas.microsoft.com/office/drawing/2014/main" val="4251372561"/>
+                        </a:ext>
+                      </a:extLst>
+                    </a:gridCol>
+                  </a:tblGrid>
+                  <a:tr h="659635">
+                    <a:tc>
+                      <a:txBody>
+                        <a:bodyPr/>
+                        <a:lstStyle/>
+                        <a:p>
+                          <a:endParaRPr lang="es-ES"/>
+                        </a:p>
+                      </a:txBody>
+                      <a:tcPr anchor="ctr">
+                        <a:lnL w="12700" cap="flat" cmpd="sng" algn="ctr">
+                          <a:solidFill>
+                            <a:schemeClr val="tx1"/>
+                          </a:solidFill>
+                          <a:prstDash val="solid"/>
+                          <a:round/>
+                          <a:headEnd type="none" w="med" len="med"/>
+                          <a:tailEnd type="none" w="med" len="med"/>
+                        </a:lnL>
+                        <a:lnR w="12700" cap="flat" cmpd="sng" algn="ctr">
+                          <a:solidFill>
+                            <a:schemeClr val="tx1"/>
+                          </a:solidFill>
+                          <a:prstDash val="solid"/>
+                          <a:round/>
+                          <a:headEnd type="none" w="med" len="med"/>
+                          <a:tailEnd type="none" w="med" len="med"/>
+                        </a:lnR>
+                        <a:lnT w="12700" cap="flat" cmpd="sng" algn="ctr">
+                          <a:solidFill>
+                            <a:schemeClr val="tx1"/>
+                          </a:solidFill>
+                          <a:prstDash val="solid"/>
+                          <a:round/>
+                          <a:headEnd type="none" w="med" len="med"/>
+                          <a:tailEnd type="none" w="med" len="med"/>
+                        </a:lnT>
+                        <a:lnB w="12700" cap="flat" cmpd="sng" algn="ctr">
+                          <a:solidFill>
+                            <a:schemeClr val="tx1"/>
+                          </a:solidFill>
+                          <a:prstDash val="solid"/>
+                          <a:round/>
+                          <a:headEnd type="none" w="med" len="med"/>
+                          <a:tailEnd type="none" w="med" len="med"/>
+                        </a:lnB>
+                        <a:blipFill>
+                          <a:blip r:embed="rId2"/>
+                          <a:stretch>
+                            <a:fillRect l="-1515" t="-1923" r="-300000" b="-496154"/>
+                          </a:stretch>
+                        </a:blipFill>
+                      </a:tcPr>
+                    </a:tc>
+                    <a:tc>
+                      <a:txBody>
+                        <a:bodyPr/>
+                        <a:lstStyle/>
+                        <a:p>
+                          <a:endParaRPr lang="es-ES"/>
+                        </a:p>
+                      </a:txBody>
+                      <a:tcPr anchor="ctr">
+                        <a:lnL w="12700" cap="flat" cmpd="sng" algn="ctr">
+                          <a:solidFill>
+                            <a:schemeClr val="tx1"/>
+                          </a:solidFill>
+                          <a:prstDash val="solid"/>
+                          <a:round/>
+                          <a:headEnd type="none" w="med" len="med"/>
+                          <a:tailEnd type="none" w="med" len="med"/>
+                        </a:lnL>
+                        <a:lnR w="12700" cap="flat" cmpd="sng" algn="ctr">
+                          <a:solidFill>
+                            <a:schemeClr val="tx1"/>
+                          </a:solidFill>
+                          <a:prstDash val="solid"/>
+                          <a:round/>
+                          <a:headEnd type="none" w="med" len="med"/>
+                          <a:tailEnd type="none" w="med" len="med"/>
+                        </a:lnR>
+                        <a:lnT w="12700" cap="flat" cmpd="sng" algn="ctr">
+                          <a:solidFill>
+                            <a:schemeClr val="tx1"/>
+                          </a:solidFill>
+                          <a:prstDash val="solid"/>
+                          <a:round/>
+                          <a:headEnd type="none" w="med" len="med"/>
+                          <a:tailEnd type="none" w="med" len="med"/>
+                        </a:lnT>
+                        <a:lnB w="12700" cap="flat" cmpd="sng" algn="ctr">
+                          <a:solidFill>
+                            <a:schemeClr val="tx1"/>
+                          </a:solidFill>
+                          <a:prstDash val="solid"/>
+                          <a:round/>
+                          <a:headEnd type="none" w="med" len="med"/>
+                          <a:tailEnd type="none" w="med" len="med"/>
+                        </a:lnB>
+                        <a:blipFill>
+                          <a:blip r:embed="rId2"/>
+                          <a:stretch>
+                            <a:fillRect l="-101515" t="-1923" r="-200000" b="-496154"/>
+                          </a:stretch>
+                        </a:blipFill>
+                      </a:tcPr>
+                    </a:tc>
+                    <a:tc>
+                      <a:txBody>
+                        <a:bodyPr/>
+                        <a:lstStyle/>
+                        <a:p>
+                          <a:endParaRPr lang="es-ES"/>
+                        </a:p>
+                      </a:txBody>
+                      <a:tcPr anchor="ctr">
+                        <a:lnL w="12700" cap="flat" cmpd="sng" algn="ctr">
+                          <a:solidFill>
+                            <a:schemeClr val="tx1"/>
+                          </a:solidFill>
+                          <a:prstDash val="solid"/>
+                          <a:round/>
+                          <a:headEnd type="none" w="med" len="med"/>
+                          <a:tailEnd type="none" w="med" len="med"/>
+                        </a:lnL>
+                        <a:lnR w="12700" cap="flat" cmpd="sng" algn="ctr">
+                          <a:solidFill>
+                            <a:schemeClr val="tx1"/>
+                          </a:solidFill>
+                          <a:prstDash val="solid"/>
+                          <a:round/>
+                          <a:headEnd type="none" w="med" len="med"/>
+                          <a:tailEnd type="none" w="med" len="med"/>
+                        </a:lnR>
+                        <a:lnT w="12700" cap="flat" cmpd="sng" algn="ctr">
+                          <a:solidFill>
+                            <a:schemeClr val="tx1"/>
+                          </a:solidFill>
+                          <a:prstDash val="solid"/>
+                          <a:round/>
+                          <a:headEnd type="none" w="med" len="med"/>
+                          <a:tailEnd type="none" w="med" len="med"/>
+                        </a:lnT>
+                        <a:lnB w="12700" cap="flat" cmpd="sng" algn="ctr">
+                          <a:solidFill>
+                            <a:schemeClr val="tx1"/>
+                          </a:solidFill>
+                          <a:prstDash val="solid"/>
+                          <a:round/>
+                          <a:headEnd type="none" w="med" len="med"/>
+                          <a:tailEnd type="none" w="med" len="med"/>
+                        </a:lnB>
+                        <a:blipFill>
+                          <a:blip r:embed="rId2"/>
+                          <a:stretch>
+                            <a:fillRect l="-201515" t="-1923" r="-100000" b="-496154"/>
+                          </a:stretch>
+                        </a:blipFill>
+                      </a:tcPr>
+                    </a:tc>
+                    <a:tc>
+                      <a:txBody>
+                        <a:bodyPr/>
+                        <a:lstStyle/>
+                        <a:p>
+                          <a:endParaRPr lang="es-ES"/>
+                        </a:p>
+                      </a:txBody>
+                      <a:tcPr anchor="ctr">
+                        <a:lnL w="12700" cap="flat" cmpd="sng" algn="ctr">
+                          <a:solidFill>
+                            <a:schemeClr val="tx1"/>
+                          </a:solidFill>
+                          <a:prstDash val="solid"/>
+                          <a:round/>
+                          <a:headEnd type="none" w="med" len="med"/>
+                          <a:tailEnd type="none" w="med" len="med"/>
+                        </a:lnL>
+                        <a:lnR w="12700" cap="flat" cmpd="sng" algn="ctr">
+                          <a:solidFill>
+                            <a:schemeClr val="tx1"/>
+                          </a:solidFill>
+                          <a:prstDash val="solid"/>
+                          <a:round/>
+                          <a:headEnd type="none" w="med" len="med"/>
+                          <a:tailEnd type="none" w="med" len="med"/>
+                        </a:lnR>
+                        <a:lnT w="12700" cap="flat" cmpd="sng" algn="ctr">
+                          <a:solidFill>
+                            <a:schemeClr val="tx1"/>
+                          </a:solidFill>
+                          <a:prstDash val="solid"/>
+                          <a:round/>
+                          <a:headEnd type="none" w="med" len="med"/>
+                          <a:tailEnd type="none" w="med" len="med"/>
+                        </a:lnT>
+                        <a:lnB w="12700" cap="flat" cmpd="sng" algn="ctr">
+                          <a:solidFill>
+                            <a:schemeClr val="tx1"/>
+                          </a:solidFill>
+                          <a:prstDash val="solid"/>
+                          <a:round/>
+                          <a:headEnd type="none" w="med" len="med"/>
+                          <a:tailEnd type="none" w="med" len="med"/>
+                        </a:lnB>
+                        <a:blipFill>
+                          <a:blip r:embed="rId2"/>
+                          <a:stretch>
+                            <a:fillRect l="-301515" t="-1923" b="-496154"/>
+                          </a:stretch>
+                        </a:blipFill>
+                      </a:tcPr>
+                    </a:tc>
+                    <a:extLst>
+                      <a:ext uri="{0D108BD9-81ED-4DB2-BD59-A6C34878D82A}">
+                        <a16:rowId xmlns:a16="http://schemas.microsoft.com/office/drawing/2014/main" val="10000"/>
+                      </a:ext>
+                    </a:extLst>
+                  </a:tr>
+                  <a:tr h="630849">
+                    <a:tc>
+                      <a:txBody>
+                        <a:bodyPr/>
+                        <a:lstStyle/>
+                        <a:p>
+                          <a:pPr algn="ctr"/>
+                          <a:r>
+                            <a:rPr lang="es-ES" dirty="0"/>
+                            <a:t>0</a:t>
+                          </a:r>
+                          <a:endParaRPr lang="en-GB" dirty="0"/>
+                        </a:p>
+                      </a:txBody>
+                      <a:tcPr anchor="ctr">
+                        <a:lnL w="12700" cap="flat" cmpd="sng" algn="ctr">
+                          <a:solidFill>
+                            <a:schemeClr val="tx1"/>
+                          </a:solidFill>
+                          <a:prstDash val="solid"/>
+                          <a:round/>
+                          <a:headEnd type="none" w="med" len="med"/>
+                          <a:tailEnd type="none" w="med" len="med"/>
+                        </a:lnL>
+                        <a:lnR w="12700" cap="flat" cmpd="sng" algn="ctr">
+                          <a:solidFill>
+                            <a:schemeClr val="tx1"/>
+                          </a:solidFill>
+                          <a:prstDash val="solid"/>
+                          <a:round/>
+                          <a:headEnd type="none" w="med" len="med"/>
+                          <a:tailEnd type="none" w="med" len="med"/>
+                        </a:lnR>
+                        <a:lnT w="12700" cap="flat" cmpd="sng" algn="ctr">
+                          <a:solidFill>
+                            <a:schemeClr val="tx1"/>
+                          </a:solidFill>
+                          <a:prstDash val="solid"/>
+                          <a:round/>
+                          <a:headEnd type="none" w="med" len="med"/>
+                          <a:tailEnd type="none" w="med" len="med"/>
+                        </a:lnT>
+                        <a:lnB w="12700" cap="flat" cmpd="sng" algn="ctr">
+                          <a:solidFill>
+                            <a:schemeClr val="tx1"/>
+                          </a:solidFill>
+                          <a:prstDash val="solid"/>
+                          <a:round/>
+                          <a:headEnd type="none" w="med" len="med"/>
+                          <a:tailEnd type="none" w="med" len="med"/>
+                        </a:lnB>
+                        <a:solidFill>
+                          <a:schemeClr val="accent5">
+                            <a:lumMod val="20000"/>
+                            <a:lumOff val="80000"/>
+                          </a:schemeClr>
+                        </a:solidFill>
+                      </a:tcPr>
+                    </a:tc>
+                    <a:tc>
+                      <a:txBody>
+                        <a:bodyPr/>
+                        <a:lstStyle/>
+                        <a:p>
+                          <a:pPr algn="ctr"/>
+                          <a:r>
+                            <a:rPr lang="es-ES" dirty="0"/>
+                            <a:t>-</a:t>
+                          </a:r>
+                          <a:endParaRPr lang="en-GB" dirty="0"/>
+                        </a:p>
+                      </a:txBody>
+                      <a:tcPr anchor="ctr">
+                        <a:lnL w="12700" cap="flat" cmpd="sng" algn="ctr">
+                          <a:solidFill>
+                            <a:schemeClr val="tx1"/>
+                          </a:solidFill>
+                          <a:prstDash val="solid"/>
+                          <a:round/>
+                          <a:headEnd type="none" w="med" len="med"/>
+                          <a:tailEnd type="none" w="med" len="med"/>
+                        </a:lnL>
+                        <a:lnR w="12700" cap="flat" cmpd="sng" algn="ctr">
+                          <a:solidFill>
+                            <a:schemeClr val="tx1"/>
+                          </a:solidFill>
+                          <a:prstDash val="solid"/>
+                          <a:round/>
+                          <a:headEnd type="none" w="med" len="med"/>
+                          <a:tailEnd type="none" w="med" len="med"/>
+                        </a:lnR>
+                        <a:lnT w="12700" cap="flat" cmpd="sng" algn="ctr">
+                          <a:solidFill>
+                            <a:schemeClr val="tx1"/>
+                          </a:solidFill>
+                          <a:prstDash val="solid"/>
+                          <a:round/>
+                          <a:headEnd type="none" w="med" len="med"/>
+                          <a:tailEnd type="none" w="med" len="med"/>
+                        </a:lnT>
+                        <a:lnB w="12700" cap="flat" cmpd="sng" algn="ctr">
+                          <a:solidFill>
+                            <a:schemeClr val="tx1"/>
+                          </a:solidFill>
+                          <a:prstDash val="solid"/>
+                          <a:round/>
+                          <a:headEnd type="none" w="med" len="med"/>
+                          <a:tailEnd type="none" w="med" len="med"/>
+                        </a:lnB>
+                        <a:solidFill>
+                          <a:schemeClr val="accent5">
+                            <a:lumMod val="20000"/>
+                            <a:lumOff val="80000"/>
+                          </a:schemeClr>
+                        </a:solidFill>
+                      </a:tcPr>
+                    </a:tc>
+                    <a:tc>
+                      <a:txBody>
+                        <a:bodyPr/>
+                        <a:lstStyle/>
+                        <a:p>
+                          <a:pPr algn="ctr"/>
+                          <a:r>
+                            <a:rPr lang="es-ES" dirty="0"/>
+                            <a:t>-</a:t>
+                          </a:r>
+                          <a:endParaRPr lang="en-GB" dirty="0"/>
+                        </a:p>
+                      </a:txBody>
+                      <a:tcPr anchor="ctr">
+                        <a:lnL w="12700" cap="flat" cmpd="sng" algn="ctr">
+                          <a:solidFill>
+                            <a:schemeClr val="tx1"/>
+                          </a:solidFill>
+                          <a:prstDash val="solid"/>
+                          <a:round/>
+                          <a:headEnd type="none" w="med" len="med"/>
+                          <a:tailEnd type="none" w="med" len="med"/>
+                        </a:lnL>
+                        <a:lnR w="12700" cap="flat" cmpd="sng" algn="ctr">
+                          <a:solidFill>
+                            <a:schemeClr val="tx1"/>
+                          </a:solidFill>
+                          <a:prstDash val="solid"/>
+                          <a:round/>
+                          <a:headEnd type="none" w="med" len="med"/>
+                          <a:tailEnd type="none" w="med" len="med"/>
+                        </a:lnR>
+                        <a:lnT w="12700" cap="flat" cmpd="sng" algn="ctr">
+                          <a:solidFill>
+                            <a:schemeClr val="tx1"/>
+                          </a:solidFill>
+                          <a:prstDash val="solid"/>
+                          <a:round/>
+                          <a:headEnd type="none" w="med" len="med"/>
+                          <a:tailEnd type="none" w="med" len="med"/>
+                        </a:lnT>
+                        <a:lnB w="12700" cap="flat" cmpd="sng" algn="ctr">
+                          <a:solidFill>
+                            <a:schemeClr val="tx1"/>
+                          </a:solidFill>
+                          <a:prstDash val="solid"/>
+                          <a:round/>
+                          <a:headEnd type="none" w="med" len="med"/>
+                          <a:tailEnd type="none" w="med" len="med"/>
+                        </a:lnB>
+                        <a:solidFill>
+                          <a:schemeClr val="accent5">
+                            <a:lumMod val="20000"/>
+                            <a:lumOff val="80000"/>
+                          </a:schemeClr>
+                        </a:solidFill>
+                      </a:tcPr>
+                    </a:tc>
+                    <a:tc>
+                      <a:txBody>
+                        <a:bodyPr/>
+                        <a:lstStyle/>
+                        <a:p>
+                          <a:pPr algn="ctr"/>
+                          <a:r>
+                            <a:rPr lang="es-ES" dirty="0"/>
+                            <a:t>-</a:t>
+                          </a:r>
+                          <a:endParaRPr lang="en-GB" dirty="0"/>
+                        </a:p>
+                      </a:txBody>
+                      <a:tcPr anchor="ctr">
+                        <a:lnL w="12700" cap="flat" cmpd="sng" algn="ctr">
+                          <a:solidFill>
+                            <a:schemeClr val="tx1"/>
+                          </a:solidFill>
+                          <a:prstDash val="solid"/>
+                          <a:round/>
+                          <a:headEnd type="none" w="med" len="med"/>
+                          <a:tailEnd type="none" w="med" len="med"/>
+                        </a:lnL>
+                        <a:lnR w="12700" cap="flat" cmpd="sng" algn="ctr">
+                          <a:solidFill>
+                            <a:schemeClr val="tx1"/>
+                          </a:solidFill>
+                          <a:prstDash val="solid"/>
+                          <a:round/>
+                          <a:headEnd type="none" w="med" len="med"/>
+                          <a:tailEnd type="none" w="med" len="med"/>
+                        </a:lnR>
+                        <a:lnT w="12700" cap="flat" cmpd="sng" algn="ctr">
+                          <a:solidFill>
+                            <a:schemeClr val="tx1"/>
+                          </a:solidFill>
+                          <a:prstDash val="solid"/>
+                          <a:round/>
+                          <a:headEnd type="none" w="med" len="med"/>
+                          <a:tailEnd type="none" w="med" len="med"/>
+                        </a:lnT>
+                        <a:lnB w="12700" cap="flat" cmpd="sng" algn="ctr">
+                          <a:solidFill>
+                            <a:schemeClr val="tx1"/>
+                          </a:solidFill>
+                          <a:prstDash val="solid"/>
+                          <a:round/>
+                          <a:headEnd type="none" w="med" len="med"/>
+                          <a:tailEnd type="none" w="med" len="med"/>
+                        </a:lnB>
+                        <a:solidFill>
+                          <a:schemeClr val="accent5">
+                            <a:lumMod val="20000"/>
+                            <a:lumOff val="80000"/>
+                          </a:schemeClr>
+                        </a:solidFill>
+                      </a:tcPr>
+                    </a:tc>
+                    <a:extLst>
+                      <a:ext uri="{0D108BD9-81ED-4DB2-BD59-A6C34878D82A}">
+                        <a16:rowId xmlns:a16="http://schemas.microsoft.com/office/drawing/2014/main" val="10001"/>
+                      </a:ext>
+                    </a:extLst>
+                  </a:tr>
+                  <a:tr h="659635">
+                    <a:tc>
+                      <a:txBody>
+                        <a:bodyPr/>
+                        <a:lstStyle/>
+                        <a:p>
+                          <a:endParaRPr lang="es-ES"/>
+                        </a:p>
+                      </a:txBody>
+                      <a:tcPr anchor="ctr">
+                        <a:lnL w="12700" cap="flat" cmpd="sng" algn="ctr">
+                          <a:solidFill>
+                            <a:schemeClr val="tx1"/>
+                          </a:solidFill>
+                          <a:prstDash val="solid"/>
+                          <a:round/>
+                          <a:headEnd type="none" w="med" len="med"/>
+                          <a:tailEnd type="none" w="med" len="med"/>
+                        </a:lnL>
+                        <a:lnR w="12700" cap="flat" cmpd="sng" algn="ctr">
+                          <a:solidFill>
+                            <a:schemeClr val="tx1"/>
+                          </a:solidFill>
+                          <a:prstDash val="solid"/>
+                          <a:round/>
+                          <a:headEnd type="none" w="med" len="med"/>
+                          <a:tailEnd type="none" w="med" len="med"/>
+                        </a:lnR>
+                        <a:lnT w="12700" cap="flat" cmpd="sng" algn="ctr">
+                          <a:solidFill>
+                            <a:schemeClr val="tx1"/>
+                          </a:solidFill>
+                          <a:prstDash val="solid"/>
+                          <a:round/>
+                          <a:headEnd type="none" w="med" len="med"/>
+                          <a:tailEnd type="none" w="med" len="med"/>
+                        </a:lnT>
+                        <a:lnB w="12700" cap="flat" cmpd="sng" algn="ctr">
+                          <a:solidFill>
+                            <a:schemeClr val="tx1"/>
+                          </a:solidFill>
+                          <a:prstDash val="solid"/>
+                          <a:round/>
+                          <a:headEnd type="none" w="med" len="med"/>
+                          <a:tailEnd type="none" w="med" len="med"/>
+                        </a:lnB>
+                        <a:blipFill>
+                          <a:blip r:embed="rId2"/>
+                          <a:stretch>
+                            <a:fillRect l="-1515" t="-198077" r="-300000" b="-300000"/>
+                          </a:stretch>
+                        </a:blipFill>
+                      </a:tcPr>
+                    </a:tc>
+                    <a:tc>
+                      <a:txBody>
+                        <a:bodyPr/>
+                        <a:lstStyle/>
+                        <a:p>
+                          <a:pPr algn="ctr"/>
+                          <a:r>
+                            <a:rPr lang="es-ES" dirty="0"/>
+                            <a:t>-</a:t>
+                          </a:r>
+                          <a:endParaRPr lang="en-GB" dirty="0"/>
+                        </a:p>
+                      </a:txBody>
+                      <a:tcPr anchor="ctr">
+                        <a:lnL w="12700" cap="flat" cmpd="sng" algn="ctr">
+                          <a:solidFill>
+                            <a:schemeClr val="tx1"/>
+                          </a:solidFill>
+                          <a:prstDash val="solid"/>
+                          <a:round/>
+                          <a:headEnd type="none" w="med" len="med"/>
+                          <a:tailEnd type="none" w="med" len="med"/>
+                        </a:lnL>
+                        <a:lnR w="12700" cap="flat" cmpd="sng" algn="ctr">
+                          <a:solidFill>
+                            <a:schemeClr val="tx1"/>
+                          </a:solidFill>
+                          <a:prstDash val="solid"/>
+                          <a:round/>
+                          <a:headEnd type="none" w="med" len="med"/>
+                          <a:tailEnd type="none" w="med" len="med"/>
+                        </a:lnR>
+                        <a:lnT w="12700" cap="flat" cmpd="sng" algn="ctr">
+                          <a:solidFill>
+                            <a:schemeClr val="tx1"/>
+                          </a:solidFill>
+                          <a:prstDash val="solid"/>
+                          <a:round/>
+                          <a:headEnd type="none" w="med" len="med"/>
+                          <a:tailEnd type="none" w="med" len="med"/>
+                        </a:lnT>
+                        <a:lnB w="12700" cap="flat" cmpd="sng" algn="ctr">
+                          <a:solidFill>
+                            <a:schemeClr val="tx1"/>
+                          </a:solidFill>
+                          <a:prstDash val="solid"/>
+                          <a:round/>
+                          <a:headEnd type="none" w="med" len="med"/>
+                          <a:tailEnd type="none" w="med" len="med"/>
+                        </a:lnB>
+                        <a:solidFill>
+                          <a:schemeClr val="accent5">
+                            <a:lumMod val="20000"/>
+                            <a:lumOff val="80000"/>
+                          </a:schemeClr>
+                        </a:solidFill>
+                      </a:tcPr>
+                    </a:tc>
+                    <a:tc>
+                      <a:txBody>
+                        <a:bodyPr/>
+                        <a:lstStyle/>
+                        <a:p>
+                          <a:pPr marL="0" marR="0" indent="0" algn="ctr" defTabSz="914400" rtl="0" eaLnBrk="1" fontAlgn="auto" latinLnBrk="0" hangingPunct="1">
+                            <a:lnSpc>
+                              <a:spcPct val="100000"/>
+                            </a:lnSpc>
+                            <a:spcBef>
+                              <a:spcPts val="0"/>
+                            </a:spcBef>
+                            <a:spcAft>
+                              <a:spcPts val="0"/>
+                            </a:spcAft>
+                            <a:buClrTx/>
+                            <a:buSzTx/>
+                            <a:buFontTx/>
+                            <a:buNone/>
+                            <a:tabLst/>
+                            <a:defRPr/>
+                          </a:pPr>
+                          <a:r>
+                            <a:rPr lang="es-ES" dirty="0"/>
+                            <a:t>-</a:t>
+                          </a:r>
+                          <a:endParaRPr lang="en-GB" dirty="0"/>
+                        </a:p>
+                      </a:txBody>
+                      <a:tcPr anchor="ctr">
+                        <a:lnL w="12700" cap="flat" cmpd="sng" algn="ctr">
+                          <a:solidFill>
+                            <a:schemeClr val="tx1"/>
+                          </a:solidFill>
+                          <a:prstDash val="solid"/>
+                          <a:round/>
+                          <a:headEnd type="none" w="med" len="med"/>
+                          <a:tailEnd type="none" w="med" len="med"/>
+                        </a:lnL>
+                        <a:lnR w="12700" cap="flat" cmpd="sng" algn="ctr">
+                          <a:solidFill>
+                            <a:schemeClr val="tx1"/>
+                          </a:solidFill>
+                          <a:prstDash val="solid"/>
+                          <a:round/>
+                          <a:headEnd type="none" w="med" len="med"/>
+                          <a:tailEnd type="none" w="med" len="med"/>
+                        </a:lnR>
+                        <a:lnT w="12700" cap="flat" cmpd="sng" algn="ctr">
+                          <a:solidFill>
+                            <a:schemeClr val="tx1"/>
+                          </a:solidFill>
+                          <a:prstDash val="solid"/>
+                          <a:round/>
+                          <a:headEnd type="none" w="med" len="med"/>
+                          <a:tailEnd type="none" w="med" len="med"/>
+                        </a:lnT>
+                        <a:lnB w="12700" cap="flat" cmpd="sng" algn="ctr">
+                          <a:solidFill>
+                            <a:schemeClr val="tx1"/>
+                          </a:solidFill>
+                          <a:prstDash val="solid"/>
+                          <a:round/>
+                          <a:headEnd type="none" w="med" len="med"/>
+                          <a:tailEnd type="none" w="med" len="med"/>
+                        </a:lnB>
+                        <a:solidFill>
+                          <a:schemeClr val="accent5">
+                            <a:lumMod val="20000"/>
+                            <a:lumOff val="80000"/>
+                          </a:schemeClr>
+                        </a:solidFill>
+                      </a:tcPr>
+                    </a:tc>
+                    <a:tc>
+                      <a:txBody>
+                        <a:bodyPr/>
+                        <a:lstStyle/>
+                        <a:p>
+                          <a:pPr algn="ctr"/>
+                          <a:r>
+                            <a:rPr lang="es-ES" dirty="0"/>
+                            <a:t>-</a:t>
+                          </a:r>
+                          <a:endParaRPr lang="en-GB" dirty="0"/>
+                        </a:p>
+                      </a:txBody>
+                      <a:tcPr anchor="ctr">
+                        <a:lnL w="12700" cap="flat" cmpd="sng" algn="ctr">
+                          <a:solidFill>
+                            <a:schemeClr val="tx1"/>
+                          </a:solidFill>
+                          <a:prstDash val="solid"/>
+                          <a:round/>
+                          <a:headEnd type="none" w="med" len="med"/>
+                          <a:tailEnd type="none" w="med" len="med"/>
+                        </a:lnL>
+                        <a:lnR w="12700" cap="flat" cmpd="sng" algn="ctr">
+                          <a:solidFill>
+                            <a:schemeClr val="tx1"/>
+                          </a:solidFill>
+                          <a:prstDash val="solid"/>
+                          <a:round/>
+                          <a:headEnd type="none" w="med" len="med"/>
+                          <a:tailEnd type="none" w="med" len="med"/>
+                        </a:lnR>
+                        <a:lnT w="12700" cap="flat" cmpd="sng" algn="ctr">
+                          <a:solidFill>
+                            <a:schemeClr val="tx1"/>
+                          </a:solidFill>
+                          <a:prstDash val="solid"/>
+                          <a:round/>
+                          <a:headEnd type="none" w="med" len="med"/>
+                          <a:tailEnd type="none" w="med" len="med"/>
+                        </a:lnT>
+                        <a:lnB w="12700" cap="flat" cmpd="sng" algn="ctr">
+                          <a:solidFill>
+                            <a:schemeClr val="tx1"/>
+                          </a:solidFill>
+                          <a:prstDash val="solid"/>
+                          <a:round/>
+                          <a:headEnd type="none" w="med" len="med"/>
+                          <a:tailEnd type="none" w="med" len="med"/>
+                        </a:lnB>
+                        <a:solidFill>
+                          <a:schemeClr val="accent5">
+                            <a:lumMod val="20000"/>
+                            <a:lumOff val="80000"/>
+                          </a:schemeClr>
+                        </a:solidFill>
+                      </a:tcPr>
+                    </a:tc>
+                    <a:extLst>
+                      <a:ext uri="{0D108BD9-81ED-4DB2-BD59-A6C34878D82A}">
+                        <a16:rowId xmlns:a16="http://schemas.microsoft.com/office/drawing/2014/main" val="10002"/>
+                      </a:ext>
+                    </a:extLst>
+                  </a:tr>
+                  <a:tr h="659635">
+                    <a:tc>
+                      <a:txBody>
+                        <a:bodyPr/>
+                        <a:lstStyle/>
+                        <a:p>
+                          <a:pPr algn="ctr"/>
+                          <a:r>
+                            <a:rPr lang="es-ES" dirty="0"/>
+                            <a:t>2</a:t>
+                          </a:r>
+                          <a:endParaRPr lang="en-GB" dirty="0"/>
+                        </a:p>
+                      </a:txBody>
+                      <a:tcPr anchor="ctr">
+                        <a:lnL w="12700" cap="flat" cmpd="sng" algn="ctr">
+                          <a:solidFill>
+                            <a:schemeClr val="tx1"/>
+                          </a:solidFill>
+                          <a:prstDash val="solid"/>
+                          <a:round/>
+                          <a:headEnd type="none" w="med" len="med"/>
+                          <a:tailEnd type="none" w="med" len="med"/>
+                        </a:lnL>
+                        <a:lnR w="12700" cap="flat" cmpd="sng" algn="ctr">
+                          <a:solidFill>
+                            <a:schemeClr val="tx1"/>
+                          </a:solidFill>
+                          <a:prstDash val="solid"/>
+                          <a:round/>
+                          <a:headEnd type="none" w="med" len="med"/>
+                          <a:tailEnd type="none" w="med" len="med"/>
+                        </a:lnR>
+                        <a:lnT w="12700" cap="flat" cmpd="sng" algn="ctr">
+                          <a:solidFill>
+                            <a:schemeClr val="tx1"/>
+                          </a:solidFill>
+                          <a:prstDash val="solid"/>
+                          <a:round/>
+                          <a:headEnd type="none" w="med" len="med"/>
+                          <a:tailEnd type="none" w="med" len="med"/>
+                        </a:lnT>
+                        <a:lnB w="12700" cap="flat" cmpd="sng" algn="ctr">
+                          <a:solidFill>
+                            <a:schemeClr val="tx1"/>
+                          </a:solidFill>
+                          <a:prstDash val="solid"/>
+                          <a:round/>
+                          <a:headEnd type="none" w="med" len="med"/>
+                          <a:tailEnd type="none" w="med" len="med"/>
+                        </a:lnB>
+                        <a:solidFill>
+                          <a:schemeClr val="accent5">
+                            <a:lumMod val="20000"/>
+                            <a:lumOff val="80000"/>
+                          </a:schemeClr>
+                        </a:solidFill>
+                      </a:tcPr>
+                    </a:tc>
+                    <a:tc>
+                      <a:txBody>
+                        <a:bodyPr/>
+                        <a:lstStyle/>
+                        <a:p>
+                          <a:pPr algn="ctr"/>
+                          <a:r>
+                            <a:rPr lang="es-ES" dirty="0"/>
+                            <a:t>-</a:t>
+                          </a:r>
+                          <a:endParaRPr lang="en-GB" dirty="0"/>
+                        </a:p>
+                      </a:txBody>
+                      <a:tcPr anchor="ctr">
+                        <a:lnL w="12700" cap="flat" cmpd="sng" algn="ctr">
+                          <a:solidFill>
+                            <a:schemeClr val="tx1"/>
+                          </a:solidFill>
+                          <a:prstDash val="solid"/>
+                          <a:round/>
+                          <a:headEnd type="none" w="med" len="med"/>
+                          <a:tailEnd type="none" w="med" len="med"/>
+                        </a:lnL>
+                        <a:lnR w="12700" cap="flat" cmpd="sng" algn="ctr">
+                          <a:solidFill>
+                            <a:schemeClr val="tx1"/>
+                          </a:solidFill>
+                          <a:prstDash val="solid"/>
+                          <a:round/>
+                          <a:headEnd type="none" w="med" len="med"/>
+                          <a:tailEnd type="none" w="med" len="med"/>
+                        </a:lnR>
+                        <a:lnT w="12700" cap="flat" cmpd="sng" algn="ctr">
+                          <a:solidFill>
+                            <a:schemeClr val="tx1"/>
+                          </a:solidFill>
+                          <a:prstDash val="solid"/>
+                          <a:round/>
+                          <a:headEnd type="none" w="med" len="med"/>
+                          <a:tailEnd type="none" w="med" len="med"/>
+                        </a:lnT>
+                        <a:lnB w="12700" cap="flat" cmpd="sng" algn="ctr">
+                          <a:solidFill>
+                            <a:schemeClr val="tx1"/>
+                          </a:solidFill>
+                          <a:prstDash val="solid"/>
+                          <a:round/>
+                          <a:headEnd type="none" w="med" len="med"/>
+                          <a:tailEnd type="none" w="med" len="med"/>
+                        </a:lnB>
+                        <a:solidFill>
+                          <a:schemeClr val="accent5">
+                            <a:lumMod val="20000"/>
+                            <a:lumOff val="80000"/>
+                          </a:schemeClr>
+                        </a:solidFill>
+                      </a:tcPr>
+                    </a:tc>
+                    <a:tc>
+                      <a:txBody>
+                        <a:bodyPr/>
+                        <a:lstStyle/>
+                        <a:p>
+                          <a:pPr algn="ctr"/>
+                          <a:r>
+                            <a:rPr lang="es-ES" dirty="0"/>
+                            <a:t>-</a:t>
+                          </a:r>
+                          <a:endParaRPr lang="en-GB" dirty="0"/>
+                        </a:p>
+                      </a:txBody>
+                      <a:tcPr anchor="ctr">
+                        <a:lnL w="12700" cap="flat" cmpd="sng" algn="ctr">
+                          <a:solidFill>
+                            <a:schemeClr val="tx1"/>
+                          </a:solidFill>
+                          <a:prstDash val="solid"/>
+                          <a:round/>
+                          <a:headEnd type="none" w="med" len="med"/>
+                          <a:tailEnd type="none" w="med" len="med"/>
+                        </a:lnL>
+                        <a:lnR w="12700" cap="flat" cmpd="sng" algn="ctr">
+                          <a:solidFill>
+                            <a:schemeClr val="tx1"/>
+                          </a:solidFill>
+                          <a:prstDash val="solid"/>
+                          <a:round/>
+                          <a:headEnd type="none" w="med" len="med"/>
+                          <a:tailEnd type="none" w="med" len="med"/>
+                        </a:lnR>
+                        <a:lnT w="12700" cap="flat" cmpd="sng" algn="ctr">
+                          <a:solidFill>
+                            <a:schemeClr val="tx1"/>
+                          </a:solidFill>
+                          <a:prstDash val="solid"/>
+                          <a:round/>
+                          <a:headEnd type="none" w="med" len="med"/>
+                          <a:tailEnd type="none" w="med" len="med"/>
+                        </a:lnT>
+                        <a:lnB w="12700" cap="flat" cmpd="sng" algn="ctr">
+                          <a:solidFill>
+                            <a:schemeClr val="tx1"/>
+                          </a:solidFill>
+                          <a:prstDash val="solid"/>
+                          <a:round/>
+                          <a:headEnd type="none" w="med" len="med"/>
+                          <a:tailEnd type="none" w="med" len="med"/>
+                        </a:lnB>
+                        <a:solidFill>
+                          <a:schemeClr val="accent5">
+                            <a:lumMod val="20000"/>
+                            <a:lumOff val="80000"/>
+                          </a:schemeClr>
+                        </a:solidFill>
+                      </a:tcPr>
+                    </a:tc>
+                    <a:tc>
+                      <a:txBody>
+                        <a:bodyPr/>
+                        <a:lstStyle/>
+                        <a:p>
+                          <a:pPr algn="ctr"/>
+                          <a:r>
+                            <a:rPr lang="es-ES" dirty="0"/>
+                            <a:t>-</a:t>
+                          </a:r>
+                          <a:endParaRPr lang="en-GB" dirty="0"/>
+                        </a:p>
+                      </a:txBody>
+                      <a:tcPr anchor="ctr">
+                        <a:lnL w="12700" cap="flat" cmpd="sng" algn="ctr">
+                          <a:solidFill>
+                            <a:schemeClr val="tx1"/>
+                          </a:solidFill>
+                          <a:prstDash val="solid"/>
+                          <a:round/>
+                          <a:headEnd type="none" w="med" len="med"/>
+                          <a:tailEnd type="none" w="med" len="med"/>
+                        </a:lnL>
+                        <a:lnR w="12700" cap="flat" cmpd="sng" algn="ctr">
+                          <a:solidFill>
+                            <a:schemeClr val="tx1"/>
+                          </a:solidFill>
+                          <a:prstDash val="solid"/>
+                          <a:round/>
+                          <a:headEnd type="none" w="med" len="med"/>
+                          <a:tailEnd type="none" w="med" len="med"/>
+                        </a:lnR>
+                        <a:lnT w="12700" cap="flat" cmpd="sng" algn="ctr">
+                          <a:solidFill>
+                            <a:schemeClr val="tx1"/>
+                          </a:solidFill>
+                          <a:prstDash val="solid"/>
+                          <a:round/>
+                          <a:headEnd type="none" w="med" len="med"/>
+                          <a:tailEnd type="none" w="med" len="med"/>
+                        </a:lnT>
+                        <a:lnB w="12700" cap="flat" cmpd="sng" algn="ctr">
+                          <a:solidFill>
+                            <a:schemeClr val="tx1"/>
+                          </a:solidFill>
+                          <a:prstDash val="solid"/>
+                          <a:round/>
+                          <a:headEnd type="none" w="med" len="med"/>
+                          <a:tailEnd type="none" w="med" len="med"/>
+                        </a:lnB>
+                        <a:solidFill>
+                          <a:schemeClr val="accent5">
+                            <a:lumMod val="20000"/>
+                            <a:lumOff val="80000"/>
+                          </a:schemeClr>
+                        </a:solidFill>
+                      </a:tcPr>
+                    </a:tc>
+                    <a:extLst>
+                      <a:ext uri="{0D108BD9-81ED-4DB2-BD59-A6C34878D82A}">
+                        <a16:rowId xmlns:a16="http://schemas.microsoft.com/office/drawing/2014/main" val="2464755942"/>
+                      </a:ext>
+                    </a:extLst>
+                  </a:tr>
+                  <a:tr h="659635">
+                    <a:tc>
+                      <a:txBody>
+                        <a:bodyPr/>
+                        <a:lstStyle/>
+                        <a:p>
+                          <a:endParaRPr lang="es-ES"/>
+                        </a:p>
+                      </a:txBody>
+                      <a:tcPr anchor="ctr">
+                        <a:lnL w="12700" cap="flat" cmpd="sng" algn="ctr">
+                          <a:solidFill>
+                            <a:schemeClr val="tx1"/>
+                          </a:solidFill>
+                          <a:prstDash val="solid"/>
+                          <a:round/>
+                          <a:headEnd type="none" w="med" len="med"/>
+                          <a:tailEnd type="none" w="med" len="med"/>
+                        </a:lnL>
+                        <a:lnR w="12700" cap="flat" cmpd="sng" algn="ctr">
+                          <a:solidFill>
+                            <a:schemeClr val="tx1"/>
+                          </a:solidFill>
+                          <a:prstDash val="solid"/>
+                          <a:round/>
+                          <a:headEnd type="none" w="med" len="med"/>
+                          <a:tailEnd type="none" w="med" len="med"/>
+                        </a:lnR>
+                        <a:lnT w="12700" cap="flat" cmpd="sng" algn="ctr">
+                          <a:solidFill>
+                            <a:schemeClr val="tx1"/>
+                          </a:solidFill>
+                          <a:prstDash val="solid"/>
+                          <a:round/>
+                          <a:headEnd type="none" w="med" len="med"/>
+                          <a:tailEnd type="none" w="med" len="med"/>
+                        </a:lnT>
+                        <a:lnB w="12700" cap="flat" cmpd="sng" algn="ctr">
+                          <a:solidFill>
+                            <a:schemeClr val="tx1"/>
+                          </a:solidFill>
+                          <a:prstDash val="solid"/>
+                          <a:round/>
+                          <a:headEnd type="none" w="med" len="med"/>
+                          <a:tailEnd type="none" w="med" len="med"/>
+                        </a:lnB>
+                        <a:blipFill>
+                          <a:blip r:embed="rId2"/>
+                          <a:stretch>
+                            <a:fillRect l="-1515" t="-398077" r="-300000" b="-100000"/>
+                          </a:stretch>
+                        </a:blipFill>
+                      </a:tcPr>
+                    </a:tc>
+                    <a:tc>
+                      <a:txBody>
+                        <a:bodyPr/>
+                        <a:lstStyle/>
+                        <a:p>
+                          <a:pPr algn="ctr"/>
+                          <a:r>
+                            <a:rPr lang="es-ES" dirty="0"/>
+                            <a:t>-</a:t>
+                          </a:r>
+                          <a:endParaRPr lang="en-GB" dirty="0"/>
+                        </a:p>
+                      </a:txBody>
+                      <a:tcPr anchor="ctr">
+                        <a:lnL w="12700" cap="flat" cmpd="sng" algn="ctr">
+                          <a:solidFill>
+                            <a:schemeClr val="tx1"/>
+                          </a:solidFill>
+                          <a:prstDash val="solid"/>
+                          <a:round/>
+                          <a:headEnd type="none" w="med" len="med"/>
+                          <a:tailEnd type="none" w="med" len="med"/>
+                        </a:lnL>
+                        <a:lnR w="12700" cap="flat" cmpd="sng" algn="ctr">
+                          <a:solidFill>
+                            <a:schemeClr val="tx1"/>
+                          </a:solidFill>
+                          <a:prstDash val="solid"/>
+                          <a:round/>
+                          <a:headEnd type="none" w="med" len="med"/>
+                          <a:tailEnd type="none" w="med" len="med"/>
+                        </a:lnR>
+                        <a:lnT w="12700" cap="flat" cmpd="sng" algn="ctr">
+                          <a:solidFill>
+                            <a:schemeClr val="tx1"/>
+                          </a:solidFill>
+                          <a:prstDash val="solid"/>
+                          <a:round/>
+                          <a:headEnd type="none" w="med" len="med"/>
+                          <a:tailEnd type="none" w="med" len="med"/>
+                        </a:lnT>
+                        <a:lnB w="12700" cap="flat" cmpd="sng" algn="ctr">
+                          <a:solidFill>
+                            <a:schemeClr val="tx1"/>
+                          </a:solidFill>
+                          <a:prstDash val="solid"/>
+                          <a:round/>
+                          <a:headEnd type="none" w="med" len="med"/>
+                          <a:tailEnd type="none" w="med" len="med"/>
+                        </a:lnB>
+                        <a:solidFill>
+                          <a:schemeClr val="accent5">
+                            <a:lumMod val="20000"/>
+                            <a:lumOff val="80000"/>
+                          </a:schemeClr>
+                        </a:solidFill>
+                      </a:tcPr>
+                    </a:tc>
+                    <a:tc>
+                      <a:txBody>
+                        <a:bodyPr/>
+                        <a:lstStyle/>
+                        <a:p>
+                          <a:pPr marL="0" marR="0" indent="0" algn="ctr" defTabSz="914400" rtl="0" eaLnBrk="1" fontAlgn="auto" latinLnBrk="0" hangingPunct="1">
+                            <a:lnSpc>
+                              <a:spcPct val="100000"/>
+                            </a:lnSpc>
+                            <a:spcBef>
+                              <a:spcPts val="0"/>
+                            </a:spcBef>
+                            <a:spcAft>
+                              <a:spcPts val="0"/>
+                            </a:spcAft>
+                            <a:buClrTx/>
+                            <a:buSzTx/>
+                            <a:buFontTx/>
+                            <a:buNone/>
+                            <a:tabLst/>
+                            <a:defRPr/>
+                          </a:pPr>
+                          <a:r>
+                            <a:rPr lang="es-ES" dirty="0"/>
+                            <a:t>-</a:t>
+                          </a:r>
+                          <a:endParaRPr lang="en-GB" dirty="0"/>
+                        </a:p>
+                      </a:txBody>
+                      <a:tcPr anchor="ctr">
+                        <a:lnL w="12700" cap="flat" cmpd="sng" algn="ctr">
+                          <a:solidFill>
+                            <a:schemeClr val="tx1"/>
+                          </a:solidFill>
+                          <a:prstDash val="solid"/>
+                          <a:round/>
+                          <a:headEnd type="none" w="med" len="med"/>
+                          <a:tailEnd type="none" w="med" len="med"/>
+                        </a:lnL>
+                        <a:lnR w="12700" cap="flat" cmpd="sng" algn="ctr">
+                          <a:solidFill>
+                            <a:schemeClr val="tx1"/>
+                          </a:solidFill>
+                          <a:prstDash val="solid"/>
+                          <a:round/>
+                          <a:headEnd type="none" w="med" len="med"/>
+                          <a:tailEnd type="none" w="med" len="med"/>
+                        </a:lnR>
+                        <a:lnT w="12700" cap="flat" cmpd="sng" algn="ctr">
+                          <a:solidFill>
+                            <a:schemeClr val="tx1"/>
+                          </a:solidFill>
+                          <a:prstDash val="solid"/>
+                          <a:round/>
+                          <a:headEnd type="none" w="med" len="med"/>
+                          <a:tailEnd type="none" w="med" len="med"/>
+                        </a:lnT>
+                        <a:lnB w="12700" cap="flat" cmpd="sng" algn="ctr">
+                          <a:solidFill>
+                            <a:schemeClr val="tx1"/>
+                          </a:solidFill>
+                          <a:prstDash val="solid"/>
+                          <a:round/>
+                          <a:headEnd type="none" w="med" len="med"/>
+                          <a:tailEnd type="none" w="med" len="med"/>
+                        </a:lnB>
+                        <a:solidFill>
+                          <a:schemeClr val="accent5">
+                            <a:lumMod val="20000"/>
+                            <a:lumOff val="80000"/>
+                          </a:schemeClr>
+                        </a:solidFill>
+                      </a:tcPr>
+                    </a:tc>
+                    <a:tc>
+                      <a:txBody>
+                        <a:bodyPr/>
+                        <a:lstStyle/>
+                        <a:p>
+                          <a:pPr algn="ctr"/>
+                          <a:r>
+                            <a:rPr lang="es-ES" dirty="0"/>
+                            <a:t>-</a:t>
+                          </a:r>
+                          <a:endParaRPr lang="en-GB" dirty="0"/>
+                        </a:p>
+                      </a:txBody>
+                      <a:tcPr anchor="ctr">
+                        <a:lnL w="12700" cap="flat" cmpd="sng" algn="ctr">
+                          <a:solidFill>
+                            <a:schemeClr val="tx1"/>
+                          </a:solidFill>
+                          <a:prstDash val="solid"/>
+                          <a:round/>
+                          <a:headEnd type="none" w="med" len="med"/>
+                          <a:tailEnd type="none" w="med" len="med"/>
+                        </a:lnL>
+                        <a:lnR w="12700" cap="flat" cmpd="sng" algn="ctr">
+                          <a:solidFill>
+                            <a:schemeClr val="tx1"/>
+                          </a:solidFill>
+                          <a:prstDash val="solid"/>
+                          <a:round/>
+                          <a:headEnd type="none" w="med" len="med"/>
+                          <a:tailEnd type="none" w="med" len="med"/>
+                        </a:lnR>
+                        <a:lnT w="12700" cap="flat" cmpd="sng" algn="ctr">
+                          <a:solidFill>
+                            <a:schemeClr val="tx1"/>
+                          </a:solidFill>
+                          <a:prstDash val="solid"/>
+                          <a:round/>
+                          <a:headEnd type="none" w="med" len="med"/>
+                          <a:tailEnd type="none" w="med" len="med"/>
+                        </a:lnT>
+                        <a:lnB w="12700" cap="flat" cmpd="sng" algn="ctr">
+                          <a:solidFill>
+                            <a:schemeClr val="tx1"/>
+                          </a:solidFill>
+                          <a:prstDash val="solid"/>
+                          <a:round/>
+                          <a:headEnd type="none" w="med" len="med"/>
+                          <a:tailEnd type="none" w="med" len="med"/>
+                        </a:lnB>
+                        <a:solidFill>
+                          <a:schemeClr val="accent5">
+                            <a:lumMod val="20000"/>
+                            <a:lumOff val="80000"/>
+                          </a:schemeClr>
+                        </a:solidFill>
+                      </a:tcPr>
+                    </a:tc>
+                    <a:extLst>
+                      <a:ext uri="{0D108BD9-81ED-4DB2-BD59-A6C34878D82A}">
+                        <a16:rowId xmlns:a16="http://schemas.microsoft.com/office/drawing/2014/main" val="1079466576"/>
+                      </a:ext>
+                    </a:extLst>
+                  </a:tr>
+                  <a:tr h="659635">
+                    <a:tc>
+                      <a:txBody>
+                        <a:bodyPr/>
+                        <a:lstStyle/>
+                        <a:p>
+                          <a:endParaRPr lang="es-ES"/>
+                        </a:p>
+                      </a:txBody>
+                      <a:tcPr anchor="ctr">
+                        <a:lnL w="12700" cap="flat" cmpd="sng" algn="ctr">
+                          <a:solidFill>
+                            <a:schemeClr val="tx1"/>
+                          </a:solidFill>
+                          <a:prstDash val="solid"/>
+                          <a:round/>
+                          <a:headEnd type="none" w="med" len="med"/>
+                          <a:tailEnd type="none" w="med" len="med"/>
+                        </a:lnL>
+                        <a:lnR w="12700" cap="flat" cmpd="sng" algn="ctr">
+                          <a:solidFill>
+                            <a:schemeClr val="tx1"/>
+                          </a:solidFill>
+                          <a:prstDash val="solid"/>
+                          <a:round/>
+                          <a:headEnd type="none" w="med" len="med"/>
+                          <a:tailEnd type="none" w="med" len="med"/>
+                        </a:lnR>
+                        <a:lnT w="12700" cap="flat" cmpd="sng" algn="ctr">
+                          <a:solidFill>
+                            <a:schemeClr val="tx1"/>
+                          </a:solidFill>
+                          <a:prstDash val="solid"/>
+                          <a:round/>
+                          <a:headEnd type="none" w="med" len="med"/>
+                          <a:tailEnd type="none" w="med" len="med"/>
+                        </a:lnT>
+                        <a:lnB w="12700" cap="flat" cmpd="sng" algn="ctr">
+                          <a:solidFill>
+                            <a:schemeClr val="tx1"/>
+                          </a:solidFill>
+                          <a:prstDash val="solid"/>
+                          <a:round/>
+                          <a:headEnd type="none" w="med" len="med"/>
+                          <a:tailEnd type="none" w="med" len="med"/>
+                        </a:lnB>
+                        <a:blipFill>
+                          <a:blip r:embed="rId2"/>
+                          <a:stretch>
+                            <a:fillRect l="-1515" t="-498077" r="-300000"/>
+                          </a:stretch>
+                        </a:blipFill>
+                      </a:tcPr>
+                    </a:tc>
+                    <a:tc>
+                      <a:txBody>
+                        <a:bodyPr/>
+                        <a:lstStyle/>
+                        <a:p>
+                          <a:pPr algn="ctr"/>
+                          <a:r>
+                            <a:rPr lang="es-ES" dirty="0"/>
+                            <a:t>?</a:t>
+                          </a:r>
+                          <a:endParaRPr lang="en-GB" dirty="0"/>
+                        </a:p>
+                      </a:txBody>
+                      <a:tcPr anchor="ctr">
+                        <a:lnL w="12700" cap="flat" cmpd="sng" algn="ctr">
+                          <a:solidFill>
+                            <a:schemeClr val="tx1"/>
+                          </a:solidFill>
+                          <a:prstDash val="solid"/>
+                          <a:round/>
+                          <a:headEnd type="none" w="med" len="med"/>
+                          <a:tailEnd type="none" w="med" len="med"/>
+                        </a:lnL>
+                        <a:lnR w="12700" cap="flat" cmpd="sng" algn="ctr">
+                          <a:solidFill>
+                            <a:schemeClr val="tx1"/>
+                          </a:solidFill>
+                          <a:prstDash val="solid"/>
+                          <a:round/>
+                          <a:headEnd type="none" w="med" len="med"/>
+                          <a:tailEnd type="none" w="med" len="med"/>
+                        </a:lnR>
+                        <a:lnT w="12700" cap="flat" cmpd="sng" algn="ctr">
+                          <a:solidFill>
+                            <a:schemeClr val="tx1"/>
+                          </a:solidFill>
+                          <a:prstDash val="solid"/>
+                          <a:round/>
+                          <a:headEnd type="none" w="med" len="med"/>
+                          <a:tailEnd type="none" w="med" len="med"/>
+                        </a:lnT>
+                        <a:lnB w="12700" cap="flat" cmpd="sng" algn="ctr">
+                          <a:solidFill>
+                            <a:schemeClr val="tx1"/>
+                          </a:solidFill>
+                          <a:prstDash val="solid"/>
+                          <a:round/>
+                          <a:headEnd type="none" w="med" len="med"/>
+                          <a:tailEnd type="none" w="med" len="med"/>
+                        </a:lnB>
+                        <a:solidFill>
+                          <a:schemeClr val="accent5">
+                            <a:lumMod val="20000"/>
+                            <a:lumOff val="80000"/>
+                          </a:schemeClr>
+                        </a:solidFill>
+                      </a:tcPr>
+                    </a:tc>
+                    <a:tc>
+                      <a:txBody>
+                        <a:bodyPr/>
+                        <a:lstStyle/>
+                        <a:p>
+                          <a:pPr algn="ctr"/>
+                          <a:r>
+                            <a:rPr lang="es-ES" dirty="0"/>
+                            <a:t>?</a:t>
+                          </a:r>
+                          <a:endParaRPr lang="en-GB" dirty="0"/>
+                        </a:p>
+                      </a:txBody>
+                      <a:tcPr anchor="ctr">
+                        <a:lnL w="12700" cap="flat" cmpd="sng" algn="ctr">
+                          <a:solidFill>
+                            <a:schemeClr val="tx1"/>
+                          </a:solidFill>
+                          <a:prstDash val="solid"/>
+                          <a:round/>
+                          <a:headEnd type="none" w="med" len="med"/>
+                          <a:tailEnd type="none" w="med" len="med"/>
+                        </a:lnL>
+                        <a:lnR w="12700" cap="flat" cmpd="sng" algn="ctr">
+                          <a:solidFill>
+                            <a:schemeClr val="tx1"/>
+                          </a:solidFill>
+                          <a:prstDash val="solid"/>
+                          <a:round/>
+                          <a:headEnd type="none" w="med" len="med"/>
+                          <a:tailEnd type="none" w="med" len="med"/>
+                        </a:lnR>
+                        <a:lnT w="12700" cap="flat" cmpd="sng" algn="ctr">
+                          <a:solidFill>
+                            <a:schemeClr val="tx1"/>
+                          </a:solidFill>
+                          <a:prstDash val="solid"/>
+                          <a:round/>
+                          <a:headEnd type="none" w="med" len="med"/>
+                          <a:tailEnd type="none" w="med" len="med"/>
+                        </a:lnT>
+                        <a:lnB w="12700" cap="flat" cmpd="sng" algn="ctr">
+                          <a:solidFill>
+                            <a:schemeClr val="tx1"/>
+                          </a:solidFill>
+                          <a:prstDash val="solid"/>
+                          <a:round/>
+                          <a:headEnd type="none" w="med" len="med"/>
+                          <a:tailEnd type="none" w="med" len="med"/>
+                        </a:lnB>
+                        <a:solidFill>
+                          <a:schemeClr val="accent5">
+                            <a:lumMod val="20000"/>
+                            <a:lumOff val="80000"/>
+                          </a:schemeClr>
+                        </a:solidFill>
+                      </a:tcPr>
+                    </a:tc>
+                    <a:tc>
+                      <a:txBody>
+                        <a:bodyPr/>
+                        <a:lstStyle/>
+                        <a:p>
+                          <a:pPr algn="ctr"/>
+                          <a:r>
+                            <a:rPr lang="es-ES" dirty="0"/>
+                            <a:t>?</a:t>
+                          </a:r>
+                          <a:endParaRPr lang="en-GB" dirty="0"/>
+                        </a:p>
+                      </a:txBody>
+                      <a:tcPr anchor="ctr">
+                        <a:lnL w="12700" cap="flat" cmpd="sng" algn="ctr">
+                          <a:solidFill>
+                            <a:schemeClr val="tx1"/>
+                          </a:solidFill>
+                          <a:prstDash val="solid"/>
+                          <a:round/>
+                          <a:headEnd type="none" w="med" len="med"/>
+                          <a:tailEnd type="none" w="med" len="med"/>
+                        </a:lnL>
+                        <a:lnR w="12700" cap="flat" cmpd="sng" algn="ctr">
+                          <a:solidFill>
+                            <a:schemeClr val="tx1"/>
+                          </a:solidFill>
+                          <a:prstDash val="solid"/>
+                          <a:round/>
+                          <a:headEnd type="none" w="med" len="med"/>
+                          <a:tailEnd type="none" w="med" len="med"/>
+                        </a:lnR>
+                        <a:lnT w="12700" cap="flat" cmpd="sng" algn="ctr">
+                          <a:solidFill>
+                            <a:schemeClr val="tx1"/>
+                          </a:solidFill>
+                          <a:prstDash val="solid"/>
+                          <a:round/>
+                          <a:headEnd type="none" w="med" len="med"/>
+                          <a:tailEnd type="none" w="med" len="med"/>
+                        </a:lnT>
+                        <a:lnB w="12700" cap="flat" cmpd="sng" algn="ctr">
+                          <a:solidFill>
+                            <a:schemeClr val="tx1"/>
+                          </a:solidFill>
+                          <a:prstDash val="solid"/>
+                          <a:round/>
+                          <a:headEnd type="none" w="med" len="med"/>
+                          <a:tailEnd type="none" w="med" len="med"/>
+                        </a:lnB>
+                        <a:solidFill>
+                          <a:schemeClr val="accent5">
+                            <a:lumMod val="20000"/>
+                            <a:lumOff val="80000"/>
+                          </a:schemeClr>
+                        </a:solidFill>
+                      </a:tcPr>
+                    </a:tc>
+                    <a:extLst>
+                      <a:ext uri="{0D108BD9-81ED-4DB2-BD59-A6C34878D82A}">
+                        <a16:rowId xmlns:a16="http://schemas.microsoft.com/office/drawing/2014/main" val="345536636"/>
+                      </a:ext>
+                    </a:extLst>
+                  </a:tr>
+                </a:tbl>
+              </a:graphicData>
+            </a:graphic>
+          </p:graphicFrame>
+        </mc:Fallback>
+      </mc:AlternateContent>
+    </p:spTree>
+    <p:extLst>
+      <p:ext uri="{BB962C8B-B14F-4D97-AF65-F5344CB8AC3E}">
+        <p14:creationId xmlns:p14="http://schemas.microsoft.com/office/powerpoint/2010/main" val="2298059175"/>
       </p:ext>
     </p:extLst>
   </p:cSld>
